--- a/src/main/resources/file/Metlife China Annual Review 20191112.pptx
+++ b/src/main/resources/file/Metlife China Annual Review 20191112.pptx
@@ -147,6 +147,2592 @@
 <p1510:revInfo xmlns:a="http://schemas.openxmlformats.org/drawingml/2006/main" xmlns:r="http://schemas.openxmlformats.org/officeDocument/2006/relationships" xmlns:p1510="http://schemas.microsoft.com/office/powerpoint/2015/10/main"/>
 </file>
 
+<file path=ppt/charts/chart1.xml><?xml version="1.0" encoding="utf-8"?>
+<c:chartSpace xmlns:c="http://schemas.openxmlformats.org/drawingml/2006/chart" xmlns:a="http://schemas.openxmlformats.org/drawingml/2006/main" xmlns:r="http://schemas.openxmlformats.org/officeDocument/2006/relationships" xmlns:c16r2="http://schemas.microsoft.com/office/drawing/2015/06/chart">
+  <c:date1904 val="0"/>
+  <c:lang val="zh-CN"/>
+  <c:roundedCorners val="0"/>
+  <mc:AlternateContent xmlns:mc="http://schemas.openxmlformats.org/markup-compatibility/2006">
+    <mc:Choice xmlns:c14="http://schemas.microsoft.com/office/drawing/2007/8/2/chart" Requires="c14">
+      <c14:style val="102"/>
+    </mc:Choice>
+    <mc:Fallback>
+      <c:style val="2"/>
+    </mc:Fallback>
+  </mc:AlternateContent>
+  <c:chart>
+    <c:autoTitleDeleted val="1"/>
+    <c:plotArea>
+      <c:layout>
+        <c:manualLayout>
+          <c:layoutTarget val="inner"/>
+          <c:xMode val="edge"/>
+          <c:yMode val="edge"/>
+          <c:x val="0.10980314960629919"/>
+          <c:y val="0.14335666375036454"/>
+          <c:w val="0.89019685039370078"/>
+          <c:h val="0.60630358705161858"/>
+        </c:manualLayout>
+      </c:layout>
+      <c:barChart>
+        <c:barDir val="col"/>
+        <c:grouping val="clustered"/>
+        <c:varyColors val="0"/>
+        <c:ser>
+          <c:idx val="0"/>
+          <c:order val="0"/>
+          <c:tx>
+            <c:strRef>
+              <c:f>Sheet1!$B$1</c:f>
+              <c:strCache>
+                <c:ptCount val="1"/>
+                <c:pt idx="0">
+                  <c:v>P1</c:v>
+                </c:pt>
+              </c:strCache>
+            </c:strRef>
+          </c:tx>
+          <c:spPr>
+            <a:solidFill>
+              <a:schemeClr val="accent1"/>
+            </a:solidFill>
+            <a:ln>
+              <a:noFill/>
+            </a:ln>
+            <a:effectLst/>
+          </c:spPr>
+          <c:invertIfNegative val="0"/>
+          <c:cat>
+            <c:strRef>
+              <c:f>Sheet1!$A$2:$A$6</c:f>
+              <c:strCache>
+                <c:ptCount val="5"/>
+                <c:pt idx="0">
+                  <c:v>Jan</c:v>
+                </c:pt>
+                <c:pt idx="1">
+                  <c:v>Feb</c:v>
+                </c:pt>
+                <c:pt idx="2">
+                  <c:v>Mar</c:v>
+                </c:pt>
+                <c:pt idx="3">
+                  <c:v>Apr</c:v>
+                </c:pt>
+                <c:pt idx="4">
+                  <c:v>May</c:v>
+                </c:pt>
+              </c:strCache>
+            </c:strRef>
+          </c:cat>
+          <c:val>
+            <c:numRef>
+              <c:f>Sheet1!$B$2:$B$6</c:f>
+              <c:numCache>
+                <c:formatCode>General</c:formatCode>
+                <c:ptCount val="5"/>
+                <c:pt idx="0">
+                  <c:v>0</c:v>
+                </c:pt>
+                <c:pt idx="1">
+                  <c:v>0</c:v>
+                </c:pt>
+                <c:pt idx="2">
+                  <c:v>0</c:v>
+                </c:pt>
+                <c:pt idx="3">
+                  <c:v>0</c:v>
+                </c:pt>
+                <c:pt idx="4">
+                  <c:v>0</c:v>
+                </c:pt>
+              </c:numCache>
+            </c:numRef>
+          </c:val>
+          <c:extLst>
+            <c:ext xmlns:c16="http://schemas.microsoft.com/office/drawing/2014/chart" uri="{C3380CC4-5D6E-409C-BE32-E72D297353CC}">
+              <c16:uniqueId val="{00000000-94D7-436C-AF02-B60022379E72}"/>
+            </c:ext>
+          </c:extLst>
+        </c:ser>
+        <c:ser>
+          <c:idx val="1"/>
+          <c:order val="1"/>
+          <c:tx>
+            <c:strRef>
+              <c:f>Sheet1!$C$1</c:f>
+              <c:strCache>
+                <c:ptCount val="1"/>
+                <c:pt idx="0">
+                  <c:v>P2</c:v>
+                </c:pt>
+              </c:strCache>
+            </c:strRef>
+          </c:tx>
+          <c:spPr>
+            <a:solidFill>
+              <a:schemeClr val="accent2"/>
+            </a:solidFill>
+            <a:ln>
+              <a:noFill/>
+            </a:ln>
+            <a:effectLst/>
+          </c:spPr>
+          <c:invertIfNegative val="0"/>
+          <c:cat>
+            <c:strRef>
+              <c:f>Sheet1!$A$2:$A$6</c:f>
+              <c:strCache>
+                <c:ptCount val="5"/>
+                <c:pt idx="0">
+                  <c:v>Jan</c:v>
+                </c:pt>
+                <c:pt idx="1">
+                  <c:v>Feb</c:v>
+                </c:pt>
+                <c:pt idx="2">
+                  <c:v>Mar</c:v>
+                </c:pt>
+                <c:pt idx="3">
+                  <c:v>Apr</c:v>
+                </c:pt>
+                <c:pt idx="4">
+                  <c:v>May</c:v>
+                </c:pt>
+              </c:strCache>
+            </c:strRef>
+          </c:cat>
+          <c:val>
+            <c:numRef>
+              <c:f>Sheet1!$C$2:$C$6</c:f>
+              <c:numCache>
+                <c:formatCode>General</c:formatCode>
+                <c:ptCount val="5"/>
+                <c:pt idx="0">
+                  <c:v>0</c:v>
+                </c:pt>
+                <c:pt idx="1">
+                  <c:v>0</c:v>
+                </c:pt>
+                <c:pt idx="2">
+                  <c:v>0</c:v>
+                </c:pt>
+                <c:pt idx="3">
+                  <c:v>0</c:v>
+                </c:pt>
+                <c:pt idx="4">
+                  <c:v>0</c:v>
+                </c:pt>
+              </c:numCache>
+            </c:numRef>
+          </c:val>
+          <c:extLst>
+            <c:ext xmlns:c16="http://schemas.microsoft.com/office/drawing/2014/chart" uri="{C3380CC4-5D6E-409C-BE32-E72D297353CC}">
+              <c16:uniqueId val="{00000001-94D7-436C-AF02-B60022379E72}"/>
+            </c:ext>
+          </c:extLst>
+        </c:ser>
+        <c:ser>
+          <c:idx val="2"/>
+          <c:order val="2"/>
+          <c:tx>
+            <c:strRef>
+              <c:f>Sheet1!$D$1</c:f>
+              <c:strCache>
+                <c:ptCount val="1"/>
+                <c:pt idx="0">
+                  <c:v>P3</c:v>
+                </c:pt>
+              </c:strCache>
+            </c:strRef>
+          </c:tx>
+          <c:spPr>
+            <a:solidFill>
+              <a:schemeClr val="accent3"/>
+            </a:solidFill>
+            <a:ln>
+              <a:noFill/>
+            </a:ln>
+            <a:effectLst/>
+          </c:spPr>
+          <c:invertIfNegative val="0"/>
+          <c:cat>
+            <c:strRef>
+              <c:f>Sheet1!$A$2:$A$6</c:f>
+              <c:strCache>
+                <c:ptCount val="5"/>
+                <c:pt idx="0">
+                  <c:v>Jan</c:v>
+                </c:pt>
+                <c:pt idx="1">
+                  <c:v>Feb</c:v>
+                </c:pt>
+                <c:pt idx="2">
+                  <c:v>Mar</c:v>
+                </c:pt>
+                <c:pt idx="3">
+                  <c:v>Apr</c:v>
+                </c:pt>
+                <c:pt idx="4">
+                  <c:v>May</c:v>
+                </c:pt>
+              </c:strCache>
+            </c:strRef>
+          </c:cat>
+          <c:val>
+            <c:numRef>
+              <c:f>Sheet1!$D$2:$D$6</c:f>
+              <c:numCache>
+                <c:formatCode>General</c:formatCode>
+                <c:ptCount val="5"/>
+                <c:pt idx="0">
+                  <c:v>5</c:v>
+                </c:pt>
+                <c:pt idx="1">
+                  <c:v>3</c:v>
+                </c:pt>
+                <c:pt idx="2">
+                  <c:v>4</c:v>
+                </c:pt>
+                <c:pt idx="3">
+                  <c:v>1</c:v>
+                </c:pt>
+                <c:pt idx="4">
+                  <c:v>2</c:v>
+                </c:pt>
+              </c:numCache>
+            </c:numRef>
+          </c:val>
+          <c:extLst>
+            <c:ext xmlns:c16="http://schemas.microsoft.com/office/drawing/2014/chart" uri="{C3380CC4-5D6E-409C-BE32-E72D297353CC}">
+              <c16:uniqueId val="{00000002-94D7-436C-AF02-B60022379E72}"/>
+            </c:ext>
+          </c:extLst>
+        </c:ser>
+        <c:ser>
+          <c:idx val="3"/>
+          <c:order val="3"/>
+          <c:tx>
+            <c:strRef>
+              <c:f>Sheet1!$E$1</c:f>
+              <c:strCache>
+                <c:ptCount val="1"/>
+                <c:pt idx="0">
+                  <c:v>P4</c:v>
+                </c:pt>
+              </c:strCache>
+            </c:strRef>
+          </c:tx>
+          <c:spPr>
+            <a:solidFill>
+              <a:schemeClr val="accent4"/>
+            </a:solidFill>
+            <a:ln>
+              <a:noFill/>
+            </a:ln>
+            <a:effectLst/>
+          </c:spPr>
+          <c:invertIfNegative val="0"/>
+          <c:cat>
+            <c:strRef>
+              <c:f>Sheet1!$A$2:$A$6</c:f>
+              <c:strCache>
+                <c:ptCount val="5"/>
+                <c:pt idx="0">
+                  <c:v>Jan</c:v>
+                </c:pt>
+                <c:pt idx="1">
+                  <c:v>Feb</c:v>
+                </c:pt>
+                <c:pt idx="2">
+                  <c:v>Mar</c:v>
+                </c:pt>
+                <c:pt idx="3">
+                  <c:v>Apr</c:v>
+                </c:pt>
+                <c:pt idx="4">
+                  <c:v>May</c:v>
+                </c:pt>
+              </c:strCache>
+            </c:strRef>
+          </c:cat>
+          <c:val>
+            <c:numRef>
+              <c:f>Sheet1!$E$2:$E$6</c:f>
+              <c:numCache>
+                <c:formatCode>General</c:formatCode>
+                <c:ptCount val="5"/>
+                <c:pt idx="0">
+                  <c:v>164</c:v>
+                </c:pt>
+                <c:pt idx="1">
+                  <c:v>95</c:v>
+                </c:pt>
+                <c:pt idx="2">
+                  <c:v>109</c:v>
+                </c:pt>
+                <c:pt idx="3">
+                  <c:v>158</c:v>
+                </c:pt>
+                <c:pt idx="4">
+                  <c:v>24</c:v>
+                </c:pt>
+              </c:numCache>
+            </c:numRef>
+          </c:val>
+          <c:extLst>
+            <c:ext xmlns:c16="http://schemas.microsoft.com/office/drawing/2014/chart" uri="{C3380CC4-5D6E-409C-BE32-E72D297353CC}">
+              <c16:uniqueId val="{00000003-94D7-436C-AF02-B60022379E72}"/>
+            </c:ext>
+          </c:extLst>
+        </c:ser>
+        <c:ser>
+          <c:idx val="4"/>
+          <c:order val="4"/>
+          <c:tx>
+            <c:strRef>
+              <c:f>Sheet1!$F$1</c:f>
+              <c:strCache>
+                <c:ptCount val="1"/>
+                <c:pt idx="0">
+                  <c:v>P5</c:v>
+                </c:pt>
+              </c:strCache>
+            </c:strRef>
+          </c:tx>
+          <c:spPr>
+            <a:solidFill>
+              <a:schemeClr val="accent5"/>
+            </a:solidFill>
+            <a:ln>
+              <a:noFill/>
+            </a:ln>
+            <a:effectLst/>
+          </c:spPr>
+          <c:invertIfNegative val="0"/>
+          <c:cat>
+            <c:strRef>
+              <c:f>Sheet1!$A$2:$A$6</c:f>
+              <c:strCache>
+                <c:ptCount val="5"/>
+                <c:pt idx="0">
+                  <c:v>Jan</c:v>
+                </c:pt>
+                <c:pt idx="1">
+                  <c:v>Feb</c:v>
+                </c:pt>
+                <c:pt idx="2">
+                  <c:v>Mar</c:v>
+                </c:pt>
+                <c:pt idx="3">
+                  <c:v>Apr</c:v>
+                </c:pt>
+                <c:pt idx="4">
+                  <c:v>May</c:v>
+                </c:pt>
+              </c:strCache>
+            </c:strRef>
+          </c:cat>
+          <c:val>
+            <c:numRef>
+              <c:f>Sheet1!$F$2:$F$6</c:f>
+              <c:numCache>
+                <c:formatCode>General</c:formatCode>
+                <c:ptCount val="5"/>
+                <c:pt idx="0">
+                  <c:v>224</c:v>
+                </c:pt>
+                <c:pt idx="1">
+                  <c:v>121</c:v>
+                </c:pt>
+                <c:pt idx="2">
+                  <c:v>130</c:v>
+                </c:pt>
+                <c:pt idx="3">
+                  <c:v>209</c:v>
+                </c:pt>
+                <c:pt idx="4">
+                  <c:v>262</c:v>
+                </c:pt>
+              </c:numCache>
+            </c:numRef>
+          </c:val>
+          <c:extLst>
+            <c:ext xmlns:c16="http://schemas.microsoft.com/office/drawing/2014/chart" uri="{C3380CC4-5D6E-409C-BE32-E72D297353CC}">
+              <c16:uniqueId val="{00000004-94D7-436C-AF02-B60022379E72}"/>
+            </c:ext>
+          </c:extLst>
+        </c:ser>
+        <c:dLbls>
+          <c:showLegendKey val="0"/>
+          <c:showVal val="0"/>
+          <c:showCatName val="0"/>
+          <c:showSerName val="0"/>
+          <c:showPercent val="0"/>
+          <c:showBubbleSize val="0"/>
+        </c:dLbls>
+        <c:gapWidth val="219"/>
+        <c:overlap val="-27"/>
+        <c:axId val="111534496"/>
+        <c:axId val="411433440"/>
+      </c:barChart>
+      <c:lineChart>
+        <c:grouping val="standard"/>
+        <c:varyColors val="0"/>
+        <c:ser>
+          <c:idx val="5"/>
+          <c:order val="5"/>
+          <c:tx>
+            <c:strRef>
+              <c:f>Sheet1!$G$1</c:f>
+              <c:strCache>
+                <c:ptCount val="1"/>
+              </c:strCache>
+            </c:strRef>
+          </c:tx>
+          <c:spPr>
+            <a:ln w="28575" cap="rnd">
+              <a:solidFill>
+                <a:schemeClr val="accent6"/>
+              </a:solidFill>
+              <a:round/>
+            </a:ln>
+            <a:effectLst/>
+          </c:spPr>
+          <c:marker>
+            <c:symbol val="none"/>
+          </c:marker>
+          <c:cat>
+            <c:strRef>
+              <c:f>Sheet1!$A$2:$A$6</c:f>
+              <c:strCache>
+                <c:ptCount val="5"/>
+                <c:pt idx="0">
+                  <c:v>Jan</c:v>
+                </c:pt>
+                <c:pt idx="1">
+                  <c:v>Feb</c:v>
+                </c:pt>
+                <c:pt idx="2">
+                  <c:v>Mar</c:v>
+                </c:pt>
+                <c:pt idx="3">
+                  <c:v>Apr</c:v>
+                </c:pt>
+                <c:pt idx="4">
+                  <c:v>May</c:v>
+                </c:pt>
+              </c:strCache>
+            </c:strRef>
+          </c:cat>
+          <c:val>
+            <c:numRef>
+              <c:f>Sheet1!$G$2:$G$6</c:f>
+              <c:numCache>
+                <c:formatCode>General</c:formatCode>
+                <c:ptCount val="5"/>
+                <c:pt idx="0">
+                  <c:v>393</c:v>
+                </c:pt>
+                <c:pt idx="1">
+                  <c:v>219</c:v>
+                </c:pt>
+                <c:pt idx="2">
+                  <c:v>243</c:v>
+                </c:pt>
+                <c:pt idx="3">
+                  <c:v>368</c:v>
+                </c:pt>
+                <c:pt idx="4">
+                  <c:v>288</c:v>
+                </c:pt>
+              </c:numCache>
+            </c:numRef>
+          </c:val>
+          <c:smooth val="0"/>
+          <c:extLst>
+            <c:ext xmlns:c16="http://schemas.microsoft.com/office/drawing/2014/chart" uri="{C3380CC4-5D6E-409C-BE32-E72D297353CC}">
+              <c16:uniqueId val="{00000005-94D7-436C-AF02-B60022379E72}"/>
+            </c:ext>
+          </c:extLst>
+        </c:ser>
+        <c:dLbls>
+          <c:showLegendKey val="0"/>
+          <c:showVal val="0"/>
+          <c:showCatName val="0"/>
+          <c:showSerName val="0"/>
+          <c:showPercent val="0"/>
+          <c:showBubbleSize val="0"/>
+        </c:dLbls>
+        <c:marker val="1"/>
+        <c:smooth val="0"/>
+        <c:axId val="477705104"/>
+        <c:axId val="484081920"/>
+      </c:lineChart>
+      <c:catAx>
+        <c:axId val="111534496"/>
+        <c:scaling>
+          <c:orientation val="minMax"/>
+        </c:scaling>
+        <c:delete val="0"/>
+        <c:axPos val="b"/>
+        <c:numFmt formatCode="General" sourceLinked="1"/>
+        <c:majorTickMark val="none"/>
+        <c:minorTickMark val="none"/>
+        <c:tickLblPos val="nextTo"/>
+        <c:spPr>
+          <a:noFill/>
+          <a:ln w="9525" cap="flat" cmpd="sng" algn="ctr">
+            <a:solidFill>
+              <a:schemeClr val="tx1">
+                <a:lumMod val="15000"/>
+                <a:lumOff val="85000"/>
+              </a:schemeClr>
+            </a:solidFill>
+            <a:round/>
+          </a:ln>
+          <a:effectLst/>
+        </c:spPr>
+        <c:txPr>
+          <a:bodyPr rot="-60000000" spcFirstLastPara="1" vertOverflow="ellipsis" vert="horz" wrap="square" anchor="ctr" anchorCtr="1"/>
+          <a:lstStyle/>
+          <a:p>
+            <a:pPr>
+              <a:defRPr sz="900" b="0" i="0" u="none" strike="noStrike" kern="1200" baseline="0">
+                <a:solidFill>
+                  <a:schemeClr val="tx1">
+                    <a:lumMod val="65000"/>
+                    <a:lumOff val="35000"/>
+                  </a:schemeClr>
+                </a:solidFill>
+                <a:latin typeface="+mn-lt"/>
+                <a:ea typeface="+mn-ea"/>
+                <a:cs typeface="+mn-cs"/>
+              </a:defRPr>
+            </a:pPr>
+            <a:endParaRPr lang="zh-CN"/>
+          </a:p>
+        </c:txPr>
+        <c:crossAx val="411433440"/>
+        <c:crosses val="autoZero"/>
+        <c:auto val="1"/>
+        <c:lblAlgn val="ctr"/>
+        <c:lblOffset val="100"/>
+        <c:noMultiLvlLbl val="0"/>
+      </c:catAx>
+      <c:valAx>
+        <c:axId val="411433440"/>
+        <c:scaling>
+          <c:orientation val="minMax"/>
+        </c:scaling>
+        <c:delete val="0"/>
+        <c:axPos val="l"/>
+        <c:majorGridlines>
+          <c:spPr>
+            <a:ln w="9525" cap="flat" cmpd="sng" algn="ctr">
+              <a:solidFill>
+                <a:schemeClr val="tx1">
+                  <a:lumMod val="15000"/>
+                  <a:lumOff val="85000"/>
+                </a:schemeClr>
+              </a:solidFill>
+              <a:round/>
+            </a:ln>
+            <a:effectLst/>
+          </c:spPr>
+        </c:majorGridlines>
+        <c:numFmt formatCode="General" sourceLinked="1"/>
+        <c:majorTickMark val="none"/>
+        <c:minorTickMark val="none"/>
+        <c:tickLblPos val="nextTo"/>
+        <c:spPr>
+          <a:noFill/>
+          <a:ln>
+            <a:noFill/>
+          </a:ln>
+          <a:effectLst/>
+        </c:spPr>
+        <c:txPr>
+          <a:bodyPr rot="-60000000" spcFirstLastPara="1" vertOverflow="ellipsis" vert="horz" wrap="square" anchor="ctr" anchorCtr="1"/>
+          <a:lstStyle/>
+          <a:p>
+            <a:pPr>
+              <a:defRPr sz="900" b="0" i="0" u="none" strike="noStrike" kern="1200" baseline="0">
+                <a:solidFill>
+                  <a:schemeClr val="tx1">
+                    <a:lumMod val="65000"/>
+                    <a:lumOff val="35000"/>
+                  </a:schemeClr>
+                </a:solidFill>
+                <a:latin typeface="+mn-lt"/>
+                <a:ea typeface="+mn-ea"/>
+                <a:cs typeface="+mn-cs"/>
+              </a:defRPr>
+            </a:pPr>
+            <a:endParaRPr lang="zh-CN"/>
+          </a:p>
+        </c:txPr>
+        <c:crossAx val="111534496"/>
+        <c:crosses val="autoZero"/>
+        <c:crossBetween val="between"/>
+      </c:valAx>
+      <c:valAx>
+        <c:axId val="484081920"/>
+        <c:scaling>
+          <c:orientation val="minMax"/>
+        </c:scaling>
+        <c:delete val="0"/>
+        <c:axPos val="r"/>
+        <c:numFmt formatCode="General" sourceLinked="1"/>
+        <c:majorTickMark val="out"/>
+        <c:minorTickMark val="none"/>
+        <c:tickLblPos val="nextTo"/>
+        <c:spPr>
+          <a:noFill/>
+          <a:ln>
+            <a:noFill/>
+          </a:ln>
+          <a:effectLst/>
+        </c:spPr>
+        <c:txPr>
+          <a:bodyPr rot="-60000000" spcFirstLastPara="1" vertOverflow="ellipsis" vert="horz" wrap="square" anchor="ctr" anchorCtr="1"/>
+          <a:lstStyle/>
+          <a:p>
+            <a:pPr>
+              <a:defRPr sz="900" b="0" i="0" u="none" strike="noStrike" kern="1200" baseline="0">
+                <a:solidFill>
+                  <a:schemeClr val="tx1">
+                    <a:lumMod val="65000"/>
+                    <a:lumOff val="35000"/>
+                  </a:schemeClr>
+                </a:solidFill>
+                <a:latin typeface="+mn-lt"/>
+                <a:ea typeface="+mn-ea"/>
+                <a:cs typeface="+mn-cs"/>
+              </a:defRPr>
+            </a:pPr>
+            <a:endParaRPr lang="zh-CN"/>
+          </a:p>
+        </c:txPr>
+        <c:crossAx val="477705104"/>
+        <c:crosses val="max"/>
+        <c:crossBetween val="between"/>
+      </c:valAx>
+      <c:catAx>
+        <c:axId val="477705104"/>
+        <c:scaling>
+          <c:orientation val="minMax"/>
+        </c:scaling>
+        <c:delete val="1"/>
+        <c:axPos val="b"/>
+        <c:numFmt formatCode="General" sourceLinked="1"/>
+        <c:majorTickMark val="out"/>
+        <c:minorTickMark val="none"/>
+        <c:tickLblPos val="nextTo"/>
+        <c:crossAx val="484081920"/>
+        <c:crosses val="autoZero"/>
+        <c:auto val="1"/>
+        <c:lblAlgn val="ctr"/>
+        <c:lblOffset val="100"/>
+        <c:noMultiLvlLbl val="0"/>
+      </c:catAx>
+      <c:spPr>
+        <a:noFill/>
+        <a:ln>
+          <a:noFill/>
+        </a:ln>
+        <a:effectLst/>
+      </c:spPr>
+    </c:plotArea>
+    <c:legend>
+      <c:legendPos val="b"/>
+      <c:overlay val="0"/>
+      <c:spPr>
+        <a:noFill/>
+        <a:ln>
+          <a:noFill/>
+        </a:ln>
+        <a:effectLst/>
+      </c:spPr>
+      <c:txPr>
+        <a:bodyPr rot="0" spcFirstLastPara="1" vertOverflow="ellipsis" vert="horz" wrap="square" anchor="ctr" anchorCtr="1"/>
+        <a:lstStyle/>
+        <a:p>
+          <a:pPr>
+            <a:defRPr sz="900" b="0" i="0" u="none" strike="noStrike" kern="1200" baseline="0">
+              <a:solidFill>
+                <a:schemeClr val="tx1">
+                  <a:lumMod val="65000"/>
+                  <a:lumOff val="35000"/>
+                </a:schemeClr>
+              </a:solidFill>
+              <a:latin typeface="+mn-lt"/>
+              <a:ea typeface="+mn-ea"/>
+              <a:cs typeface="+mn-cs"/>
+            </a:defRPr>
+          </a:pPr>
+          <a:endParaRPr lang="zh-CN"/>
+        </a:p>
+      </c:txPr>
+    </c:legend>
+    <c:plotVisOnly val="1"/>
+    <c:dispBlanksAs val="gap"/>
+    <c:showDLblsOverMax val="0"/>
+  </c:chart>
+  <c:spPr>
+    <a:noFill/>
+    <a:ln>
+      <a:noFill/>
+    </a:ln>
+    <a:effectLst/>
+  </c:spPr>
+  <c:txPr>
+    <a:bodyPr/>
+    <a:lstStyle/>
+    <a:p>
+      <a:pPr>
+        <a:defRPr/>
+      </a:pPr>
+      <a:endParaRPr lang="zh-CN"/>
+    </a:p>
+  </c:txPr>
+  <c:externalData r:id="rId3">
+    <c:autoUpdate val="0"/>
+  </c:externalData>
+</c:chartSpace>
+</file>
+
+<file path=ppt/charts/chart2.xml><?xml version="1.0" encoding="utf-8"?>
+<c:chartSpace xmlns:c="http://schemas.openxmlformats.org/drawingml/2006/chart" xmlns:a="http://schemas.openxmlformats.org/drawingml/2006/main" xmlns:r="http://schemas.openxmlformats.org/officeDocument/2006/relationships" xmlns:c16r2="http://schemas.microsoft.com/office/drawing/2015/06/chart">
+  <c:date1904 val="0"/>
+  <c:lang val="zh-CN"/>
+  <c:roundedCorners val="0"/>
+  <mc:AlternateContent xmlns:mc="http://schemas.openxmlformats.org/markup-compatibility/2006">
+    <mc:Choice xmlns:c14="http://schemas.microsoft.com/office/drawing/2007/8/2/chart" Requires="c14">
+      <c14:style val="102"/>
+    </mc:Choice>
+    <mc:Fallback>
+      <c:style val="2"/>
+    </mc:Fallback>
+  </mc:AlternateContent>
+  <c:chart>
+    <c:autoTitleDeleted val="1"/>
+    <c:plotArea>
+      <c:layout/>
+      <c:barChart>
+        <c:barDir val="col"/>
+        <c:grouping val="clustered"/>
+        <c:varyColors val="0"/>
+        <c:ser>
+          <c:idx val="0"/>
+          <c:order val="0"/>
+          <c:tx>
+            <c:strRef>
+              <c:f>Sheet1!$B$10</c:f>
+              <c:strCache>
+                <c:ptCount val="1"/>
+                <c:pt idx="0">
+                  <c:v>P1</c:v>
+                </c:pt>
+              </c:strCache>
+            </c:strRef>
+          </c:tx>
+          <c:spPr>
+            <a:solidFill>
+              <a:schemeClr val="accent1"/>
+            </a:solidFill>
+            <a:ln>
+              <a:noFill/>
+            </a:ln>
+            <a:effectLst/>
+          </c:spPr>
+          <c:invertIfNegative val="0"/>
+          <c:cat>
+            <c:strRef>
+              <c:f>Sheet1!$A$11:$A$15</c:f>
+              <c:strCache>
+                <c:ptCount val="5"/>
+                <c:pt idx="0">
+                  <c:v>Jan</c:v>
+                </c:pt>
+                <c:pt idx="1">
+                  <c:v>Feb</c:v>
+                </c:pt>
+                <c:pt idx="2">
+                  <c:v>Mar</c:v>
+                </c:pt>
+                <c:pt idx="3">
+                  <c:v>Apr</c:v>
+                </c:pt>
+                <c:pt idx="4">
+                  <c:v>May</c:v>
+                </c:pt>
+              </c:strCache>
+            </c:strRef>
+          </c:cat>
+          <c:val>
+            <c:numRef>
+              <c:f>Sheet1!$B$11:$B$15</c:f>
+              <c:numCache>
+                <c:formatCode>General</c:formatCode>
+                <c:ptCount val="5"/>
+                <c:pt idx="0">
+                  <c:v>0</c:v>
+                </c:pt>
+                <c:pt idx="1">
+                  <c:v>0</c:v>
+                </c:pt>
+                <c:pt idx="2">
+                  <c:v>0</c:v>
+                </c:pt>
+                <c:pt idx="3">
+                  <c:v>0</c:v>
+                </c:pt>
+                <c:pt idx="4">
+                  <c:v>0</c:v>
+                </c:pt>
+              </c:numCache>
+            </c:numRef>
+          </c:val>
+          <c:extLst>
+            <c:ext xmlns:c16="http://schemas.microsoft.com/office/drawing/2014/chart" uri="{C3380CC4-5D6E-409C-BE32-E72D297353CC}">
+              <c16:uniqueId val="{00000000-C6D5-49D4-BF3A-B81C45614415}"/>
+            </c:ext>
+          </c:extLst>
+        </c:ser>
+        <c:ser>
+          <c:idx val="1"/>
+          <c:order val="1"/>
+          <c:tx>
+            <c:strRef>
+              <c:f>Sheet1!$C$10</c:f>
+              <c:strCache>
+                <c:ptCount val="1"/>
+                <c:pt idx="0">
+                  <c:v>P2</c:v>
+                </c:pt>
+              </c:strCache>
+            </c:strRef>
+          </c:tx>
+          <c:spPr>
+            <a:solidFill>
+              <a:schemeClr val="accent2"/>
+            </a:solidFill>
+            <a:ln>
+              <a:noFill/>
+            </a:ln>
+            <a:effectLst/>
+          </c:spPr>
+          <c:invertIfNegative val="0"/>
+          <c:cat>
+            <c:strRef>
+              <c:f>Sheet1!$A$11:$A$15</c:f>
+              <c:strCache>
+                <c:ptCount val="5"/>
+                <c:pt idx="0">
+                  <c:v>Jan</c:v>
+                </c:pt>
+                <c:pt idx="1">
+                  <c:v>Feb</c:v>
+                </c:pt>
+                <c:pt idx="2">
+                  <c:v>Mar</c:v>
+                </c:pt>
+                <c:pt idx="3">
+                  <c:v>Apr</c:v>
+                </c:pt>
+                <c:pt idx="4">
+                  <c:v>May</c:v>
+                </c:pt>
+              </c:strCache>
+            </c:strRef>
+          </c:cat>
+          <c:val>
+            <c:numRef>
+              <c:f>Sheet1!$C$11:$C$15</c:f>
+              <c:numCache>
+                <c:formatCode>General</c:formatCode>
+                <c:ptCount val="5"/>
+                <c:pt idx="0">
+                  <c:v>0</c:v>
+                </c:pt>
+                <c:pt idx="1">
+                  <c:v>0</c:v>
+                </c:pt>
+                <c:pt idx="2">
+                  <c:v>0</c:v>
+                </c:pt>
+                <c:pt idx="3">
+                  <c:v>0</c:v>
+                </c:pt>
+                <c:pt idx="4">
+                  <c:v>0</c:v>
+                </c:pt>
+              </c:numCache>
+            </c:numRef>
+          </c:val>
+          <c:extLst>
+            <c:ext xmlns:c16="http://schemas.microsoft.com/office/drawing/2014/chart" uri="{C3380CC4-5D6E-409C-BE32-E72D297353CC}">
+              <c16:uniqueId val="{00000001-C6D5-49D4-BF3A-B81C45614415}"/>
+            </c:ext>
+          </c:extLst>
+        </c:ser>
+        <c:ser>
+          <c:idx val="2"/>
+          <c:order val="2"/>
+          <c:tx>
+            <c:strRef>
+              <c:f>Sheet1!$D$10</c:f>
+              <c:strCache>
+                <c:ptCount val="1"/>
+                <c:pt idx="0">
+                  <c:v>P3</c:v>
+                </c:pt>
+              </c:strCache>
+            </c:strRef>
+          </c:tx>
+          <c:spPr>
+            <a:solidFill>
+              <a:schemeClr val="accent3"/>
+            </a:solidFill>
+            <a:ln>
+              <a:noFill/>
+            </a:ln>
+            <a:effectLst/>
+          </c:spPr>
+          <c:invertIfNegative val="0"/>
+          <c:cat>
+            <c:strRef>
+              <c:f>Sheet1!$A$11:$A$15</c:f>
+              <c:strCache>
+                <c:ptCount val="5"/>
+                <c:pt idx="0">
+                  <c:v>Jan</c:v>
+                </c:pt>
+                <c:pt idx="1">
+                  <c:v>Feb</c:v>
+                </c:pt>
+                <c:pt idx="2">
+                  <c:v>Mar</c:v>
+                </c:pt>
+                <c:pt idx="3">
+                  <c:v>Apr</c:v>
+                </c:pt>
+                <c:pt idx="4">
+                  <c:v>May</c:v>
+                </c:pt>
+              </c:strCache>
+            </c:strRef>
+          </c:cat>
+          <c:val>
+            <c:numRef>
+              <c:f>Sheet1!$D$11:$D$15</c:f>
+              <c:numCache>
+                <c:formatCode>General</c:formatCode>
+                <c:ptCount val="5"/>
+                <c:pt idx="0">
+                  <c:v>0</c:v>
+                </c:pt>
+                <c:pt idx="1">
+                  <c:v>0</c:v>
+                </c:pt>
+                <c:pt idx="2">
+                  <c:v>1</c:v>
+                </c:pt>
+                <c:pt idx="3">
+                  <c:v>0</c:v>
+                </c:pt>
+                <c:pt idx="4">
+                  <c:v>2</c:v>
+                </c:pt>
+              </c:numCache>
+            </c:numRef>
+          </c:val>
+          <c:extLst>
+            <c:ext xmlns:c16="http://schemas.microsoft.com/office/drawing/2014/chart" uri="{C3380CC4-5D6E-409C-BE32-E72D297353CC}">
+              <c16:uniqueId val="{00000002-C6D5-49D4-BF3A-B81C45614415}"/>
+            </c:ext>
+          </c:extLst>
+        </c:ser>
+        <c:ser>
+          <c:idx val="3"/>
+          <c:order val="3"/>
+          <c:tx>
+            <c:strRef>
+              <c:f>Sheet1!$E$10</c:f>
+              <c:strCache>
+                <c:ptCount val="1"/>
+                <c:pt idx="0">
+                  <c:v>P4</c:v>
+                </c:pt>
+              </c:strCache>
+            </c:strRef>
+          </c:tx>
+          <c:spPr>
+            <a:solidFill>
+              <a:schemeClr val="accent4"/>
+            </a:solidFill>
+            <a:ln>
+              <a:noFill/>
+            </a:ln>
+            <a:effectLst/>
+          </c:spPr>
+          <c:invertIfNegative val="0"/>
+          <c:cat>
+            <c:strRef>
+              <c:f>Sheet1!$A$11:$A$15</c:f>
+              <c:strCache>
+                <c:ptCount val="5"/>
+                <c:pt idx="0">
+                  <c:v>Jan</c:v>
+                </c:pt>
+                <c:pt idx="1">
+                  <c:v>Feb</c:v>
+                </c:pt>
+                <c:pt idx="2">
+                  <c:v>Mar</c:v>
+                </c:pt>
+                <c:pt idx="3">
+                  <c:v>Apr</c:v>
+                </c:pt>
+                <c:pt idx="4">
+                  <c:v>May</c:v>
+                </c:pt>
+              </c:strCache>
+            </c:strRef>
+          </c:cat>
+          <c:val>
+            <c:numRef>
+              <c:f>Sheet1!$E$11:$E$15</c:f>
+              <c:numCache>
+                <c:formatCode>General</c:formatCode>
+                <c:ptCount val="5"/>
+                <c:pt idx="0">
+                  <c:v>178</c:v>
+                </c:pt>
+                <c:pt idx="1">
+                  <c:v>83</c:v>
+                </c:pt>
+                <c:pt idx="2">
+                  <c:v>181</c:v>
+                </c:pt>
+                <c:pt idx="3">
+                  <c:v>241</c:v>
+                </c:pt>
+                <c:pt idx="4">
+                  <c:v>267</c:v>
+                </c:pt>
+              </c:numCache>
+            </c:numRef>
+          </c:val>
+          <c:extLst>
+            <c:ext xmlns:c16="http://schemas.microsoft.com/office/drawing/2014/chart" uri="{C3380CC4-5D6E-409C-BE32-E72D297353CC}">
+              <c16:uniqueId val="{00000003-C6D5-49D4-BF3A-B81C45614415}"/>
+            </c:ext>
+          </c:extLst>
+        </c:ser>
+        <c:ser>
+          <c:idx val="4"/>
+          <c:order val="4"/>
+          <c:tx>
+            <c:strRef>
+              <c:f>Sheet1!$F$10</c:f>
+              <c:strCache>
+                <c:ptCount val="1"/>
+                <c:pt idx="0">
+                  <c:v>P5</c:v>
+                </c:pt>
+              </c:strCache>
+            </c:strRef>
+          </c:tx>
+          <c:spPr>
+            <a:solidFill>
+              <a:schemeClr val="accent5"/>
+            </a:solidFill>
+            <a:ln>
+              <a:noFill/>
+            </a:ln>
+            <a:effectLst/>
+          </c:spPr>
+          <c:invertIfNegative val="0"/>
+          <c:cat>
+            <c:strRef>
+              <c:f>Sheet1!$A$11:$A$15</c:f>
+              <c:strCache>
+                <c:ptCount val="5"/>
+                <c:pt idx="0">
+                  <c:v>Jan</c:v>
+                </c:pt>
+                <c:pt idx="1">
+                  <c:v>Feb</c:v>
+                </c:pt>
+                <c:pt idx="2">
+                  <c:v>Mar</c:v>
+                </c:pt>
+                <c:pt idx="3">
+                  <c:v>Apr</c:v>
+                </c:pt>
+                <c:pt idx="4">
+                  <c:v>May</c:v>
+                </c:pt>
+              </c:strCache>
+            </c:strRef>
+          </c:cat>
+          <c:val>
+            <c:numRef>
+              <c:f>Sheet1!$F$11:$F$15</c:f>
+              <c:numCache>
+                <c:formatCode>General</c:formatCode>
+                <c:ptCount val="5"/>
+                <c:pt idx="0">
+                  <c:v>98</c:v>
+                </c:pt>
+                <c:pt idx="1">
+                  <c:v>57</c:v>
+                </c:pt>
+                <c:pt idx="2">
+                  <c:v>122</c:v>
+                </c:pt>
+                <c:pt idx="3">
+                  <c:v>166</c:v>
+                </c:pt>
+                <c:pt idx="4">
+                  <c:v>114</c:v>
+                </c:pt>
+              </c:numCache>
+            </c:numRef>
+          </c:val>
+          <c:extLst>
+            <c:ext xmlns:c16="http://schemas.microsoft.com/office/drawing/2014/chart" uri="{C3380CC4-5D6E-409C-BE32-E72D297353CC}">
+              <c16:uniqueId val="{00000004-C6D5-49D4-BF3A-B81C45614415}"/>
+            </c:ext>
+          </c:extLst>
+        </c:ser>
+        <c:dLbls>
+          <c:showLegendKey val="0"/>
+          <c:showVal val="0"/>
+          <c:showCatName val="0"/>
+          <c:showSerName val="0"/>
+          <c:showPercent val="0"/>
+          <c:showBubbleSize val="0"/>
+        </c:dLbls>
+        <c:gapWidth val="219"/>
+        <c:overlap val="-27"/>
+        <c:axId val="480627616"/>
+        <c:axId val="473791280"/>
+      </c:barChart>
+      <c:lineChart>
+        <c:grouping val="standard"/>
+        <c:varyColors val="0"/>
+        <c:ser>
+          <c:idx val="5"/>
+          <c:order val="5"/>
+          <c:tx>
+            <c:strRef>
+              <c:f>Sheet1!$G$10</c:f>
+              <c:strCache>
+                <c:ptCount val="1"/>
+              </c:strCache>
+            </c:strRef>
+          </c:tx>
+          <c:spPr>
+            <a:ln w="28575" cap="rnd">
+              <a:solidFill>
+                <a:schemeClr val="accent6"/>
+              </a:solidFill>
+              <a:round/>
+            </a:ln>
+            <a:effectLst/>
+          </c:spPr>
+          <c:marker>
+            <c:symbol val="none"/>
+          </c:marker>
+          <c:cat>
+            <c:strRef>
+              <c:f>Sheet1!$A$11:$A$15</c:f>
+              <c:strCache>
+                <c:ptCount val="5"/>
+                <c:pt idx="0">
+                  <c:v>Jan</c:v>
+                </c:pt>
+                <c:pt idx="1">
+                  <c:v>Feb</c:v>
+                </c:pt>
+                <c:pt idx="2">
+                  <c:v>Mar</c:v>
+                </c:pt>
+                <c:pt idx="3">
+                  <c:v>Apr</c:v>
+                </c:pt>
+                <c:pt idx="4">
+                  <c:v>May</c:v>
+                </c:pt>
+              </c:strCache>
+            </c:strRef>
+          </c:cat>
+          <c:val>
+            <c:numRef>
+              <c:f>Sheet1!$G$11:$G$15</c:f>
+              <c:numCache>
+                <c:formatCode>General</c:formatCode>
+                <c:ptCount val="5"/>
+                <c:pt idx="0">
+                  <c:v>276</c:v>
+                </c:pt>
+                <c:pt idx="1">
+                  <c:v>140</c:v>
+                </c:pt>
+                <c:pt idx="2">
+                  <c:v>304</c:v>
+                </c:pt>
+                <c:pt idx="3">
+                  <c:v>407</c:v>
+                </c:pt>
+                <c:pt idx="4">
+                  <c:v>383</c:v>
+                </c:pt>
+              </c:numCache>
+            </c:numRef>
+          </c:val>
+          <c:smooth val="0"/>
+          <c:extLst>
+            <c:ext xmlns:c16="http://schemas.microsoft.com/office/drawing/2014/chart" uri="{C3380CC4-5D6E-409C-BE32-E72D297353CC}">
+              <c16:uniqueId val="{00000005-C6D5-49D4-BF3A-B81C45614415}"/>
+            </c:ext>
+          </c:extLst>
+        </c:ser>
+        <c:dLbls>
+          <c:showLegendKey val="0"/>
+          <c:showVal val="0"/>
+          <c:showCatName val="0"/>
+          <c:showSerName val="0"/>
+          <c:showPercent val="0"/>
+          <c:showBubbleSize val="0"/>
+        </c:dLbls>
+        <c:marker val="1"/>
+        <c:smooth val="0"/>
+        <c:axId val="480609312"/>
+        <c:axId val="473766656"/>
+      </c:lineChart>
+      <c:catAx>
+        <c:axId val="480627616"/>
+        <c:scaling>
+          <c:orientation val="minMax"/>
+        </c:scaling>
+        <c:delete val="0"/>
+        <c:axPos val="b"/>
+        <c:numFmt formatCode="General" sourceLinked="1"/>
+        <c:majorTickMark val="none"/>
+        <c:minorTickMark val="none"/>
+        <c:tickLblPos val="nextTo"/>
+        <c:spPr>
+          <a:noFill/>
+          <a:ln w="9525" cap="flat" cmpd="sng" algn="ctr">
+            <a:solidFill>
+              <a:schemeClr val="tx1">
+                <a:lumMod val="15000"/>
+                <a:lumOff val="85000"/>
+              </a:schemeClr>
+            </a:solidFill>
+            <a:round/>
+          </a:ln>
+          <a:effectLst/>
+        </c:spPr>
+        <c:txPr>
+          <a:bodyPr rot="-60000000" spcFirstLastPara="1" vertOverflow="ellipsis" vert="horz" wrap="square" anchor="ctr" anchorCtr="1"/>
+          <a:lstStyle/>
+          <a:p>
+            <a:pPr>
+              <a:defRPr sz="900" b="0" i="0" u="none" strike="noStrike" kern="1200" baseline="0">
+                <a:solidFill>
+                  <a:schemeClr val="tx1">
+                    <a:lumMod val="65000"/>
+                    <a:lumOff val="35000"/>
+                  </a:schemeClr>
+                </a:solidFill>
+                <a:latin typeface="+mn-lt"/>
+                <a:ea typeface="+mn-ea"/>
+                <a:cs typeface="+mn-cs"/>
+              </a:defRPr>
+            </a:pPr>
+            <a:endParaRPr lang="zh-CN"/>
+          </a:p>
+        </c:txPr>
+        <c:crossAx val="473791280"/>
+        <c:crosses val="autoZero"/>
+        <c:auto val="1"/>
+        <c:lblAlgn val="ctr"/>
+        <c:lblOffset val="100"/>
+        <c:noMultiLvlLbl val="0"/>
+      </c:catAx>
+      <c:valAx>
+        <c:axId val="473791280"/>
+        <c:scaling>
+          <c:orientation val="minMax"/>
+        </c:scaling>
+        <c:delete val="0"/>
+        <c:axPos val="l"/>
+        <c:majorGridlines>
+          <c:spPr>
+            <a:ln w="9525" cap="flat" cmpd="sng" algn="ctr">
+              <a:solidFill>
+                <a:schemeClr val="tx1">
+                  <a:lumMod val="15000"/>
+                  <a:lumOff val="85000"/>
+                </a:schemeClr>
+              </a:solidFill>
+              <a:round/>
+            </a:ln>
+            <a:effectLst/>
+          </c:spPr>
+        </c:majorGridlines>
+        <c:numFmt formatCode="General" sourceLinked="1"/>
+        <c:majorTickMark val="none"/>
+        <c:minorTickMark val="none"/>
+        <c:tickLblPos val="nextTo"/>
+        <c:spPr>
+          <a:noFill/>
+          <a:ln>
+            <a:noFill/>
+          </a:ln>
+          <a:effectLst/>
+        </c:spPr>
+        <c:txPr>
+          <a:bodyPr rot="-60000000" spcFirstLastPara="1" vertOverflow="ellipsis" vert="horz" wrap="square" anchor="ctr" anchorCtr="1"/>
+          <a:lstStyle/>
+          <a:p>
+            <a:pPr>
+              <a:defRPr sz="900" b="0" i="0" u="none" strike="noStrike" kern="1200" baseline="0">
+                <a:solidFill>
+                  <a:schemeClr val="tx1">
+                    <a:lumMod val="65000"/>
+                    <a:lumOff val="35000"/>
+                  </a:schemeClr>
+                </a:solidFill>
+                <a:latin typeface="+mn-lt"/>
+                <a:ea typeface="+mn-ea"/>
+                <a:cs typeface="+mn-cs"/>
+              </a:defRPr>
+            </a:pPr>
+            <a:endParaRPr lang="zh-CN"/>
+          </a:p>
+        </c:txPr>
+        <c:crossAx val="480627616"/>
+        <c:crosses val="autoZero"/>
+        <c:crossBetween val="between"/>
+      </c:valAx>
+      <c:valAx>
+        <c:axId val="473766656"/>
+        <c:scaling>
+          <c:orientation val="minMax"/>
+        </c:scaling>
+        <c:delete val="0"/>
+        <c:axPos val="r"/>
+        <c:numFmt formatCode="General" sourceLinked="1"/>
+        <c:majorTickMark val="out"/>
+        <c:minorTickMark val="none"/>
+        <c:tickLblPos val="nextTo"/>
+        <c:spPr>
+          <a:noFill/>
+          <a:ln>
+            <a:noFill/>
+          </a:ln>
+          <a:effectLst/>
+        </c:spPr>
+        <c:txPr>
+          <a:bodyPr rot="-60000000" spcFirstLastPara="1" vertOverflow="ellipsis" vert="horz" wrap="square" anchor="ctr" anchorCtr="1"/>
+          <a:lstStyle/>
+          <a:p>
+            <a:pPr>
+              <a:defRPr sz="900" b="0" i="0" u="none" strike="noStrike" kern="1200" baseline="0">
+                <a:solidFill>
+                  <a:schemeClr val="tx1">
+                    <a:lumMod val="65000"/>
+                    <a:lumOff val="35000"/>
+                  </a:schemeClr>
+                </a:solidFill>
+                <a:latin typeface="+mn-lt"/>
+                <a:ea typeface="+mn-ea"/>
+                <a:cs typeface="+mn-cs"/>
+              </a:defRPr>
+            </a:pPr>
+            <a:endParaRPr lang="zh-CN"/>
+          </a:p>
+        </c:txPr>
+        <c:crossAx val="480609312"/>
+        <c:crosses val="max"/>
+        <c:crossBetween val="between"/>
+      </c:valAx>
+      <c:catAx>
+        <c:axId val="480609312"/>
+        <c:scaling>
+          <c:orientation val="minMax"/>
+        </c:scaling>
+        <c:delete val="1"/>
+        <c:axPos val="b"/>
+        <c:numFmt formatCode="General" sourceLinked="1"/>
+        <c:majorTickMark val="out"/>
+        <c:minorTickMark val="none"/>
+        <c:tickLblPos val="nextTo"/>
+        <c:crossAx val="473766656"/>
+        <c:crosses val="autoZero"/>
+        <c:auto val="1"/>
+        <c:lblAlgn val="ctr"/>
+        <c:lblOffset val="100"/>
+        <c:noMultiLvlLbl val="0"/>
+      </c:catAx>
+      <c:spPr>
+        <a:noFill/>
+        <a:ln>
+          <a:noFill/>
+        </a:ln>
+        <a:effectLst/>
+      </c:spPr>
+    </c:plotArea>
+    <c:legend>
+      <c:legendPos val="b"/>
+      <c:overlay val="0"/>
+      <c:spPr>
+        <a:noFill/>
+        <a:ln>
+          <a:noFill/>
+        </a:ln>
+        <a:effectLst/>
+      </c:spPr>
+      <c:txPr>
+        <a:bodyPr rot="0" spcFirstLastPara="1" vertOverflow="ellipsis" vert="horz" wrap="square" anchor="ctr" anchorCtr="1"/>
+        <a:lstStyle/>
+        <a:p>
+          <a:pPr>
+            <a:defRPr sz="900" b="0" i="0" u="none" strike="noStrike" kern="1200" baseline="0">
+              <a:solidFill>
+                <a:schemeClr val="tx1">
+                  <a:lumMod val="65000"/>
+                  <a:lumOff val="35000"/>
+                </a:schemeClr>
+              </a:solidFill>
+              <a:latin typeface="+mn-lt"/>
+              <a:ea typeface="+mn-ea"/>
+              <a:cs typeface="+mn-cs"/>
+            </a:defRPr>
+          </a:pPr>
+          <a:endParaRPr lang="zh-CN"/>
+        </a:p>
+      </c:txPr>
+    </c:legend>
+    <c:plotVisOnly val="1"/>
+    <c:dispBlanksAs val="gap"/>
+    <c:showDLblsOverMax val="0"/>
+  </c:chart>
+  <c:spPr>
+    <a:noFill/>
+    <a:ln>
+      <a:noFill/>
+    </a:ln>
+    <a:effectLst/>
+  </c:spPr>
+  <c:txPr>
+    <a:bodyPr/>
+    <a:lstStyle/>
+    <a:p>
+      <a:pPr>
+        <a:defRPr/>
+      </a:pPr>
+      <a:endParaRPr lang="zh-CN"/>
+    </a:p>
+  </c:txPr>
+  <c:externalData r:id="rId3">
+    <c:autoUpdate val="0"/>
+  </c:externalData>
+</c:chartSpace>
+</file>
+
+<file path=ppt/charts/colors1.xml><?xml version="1.0" encoding="utf-8"?>
+<cs:colorStyle xmlns:cs="http://schemas.microsoft.com/office/drawing/2012/chartStyle" xmlns:a="http://schemas.openxmlformats.org/drawingml/2006/main" meth="cycle" id="10">
+  <a:schemeClr val="accent1"/>
+  <a:schemeClr val="accent2"/>
+  <a:schemeClr val="accent3"/>
+  <a:schemeClr val="accent4"/>
+  <a:schemeClr val="accent5"/>
+  <a:schemeClr val="accent6"/>
+  <cs:variation/>
+  <cs:variation>
+    <a:lumMod val="60000"/>
+  </cs:variation>
+  <cs:variation>
+    <a:lumMod val="80000"/>
+    <a:lumOff val="20000"/>
+  </cs:variation>
+  <cs:variation>
+    <a:lumMod val="80000"/>
+  </cs:variation>
+  <cs:variation>
+    <a:lumMod val="60000"/>
+    <a:lumOff val="40000"/>
+  </cs:variation>
+  <cs:variation>
+    <a:lumMod val="50000"/>
+  </cs:variation>
+  <cs:variation>
+    <a:lumMod val="70000"/>
+    <a:lumOff val="30000"/>
+  </cs:variation>
+  <cs:variation>
+    <a:lumMod val="70000"/>
+  </cs:variation>
+  <cs:variation>
+    <a:lumMod val="50000"/>
+    <a:lumOff val="50000"/>
+  </cs:variation>
+</cs:colorStyle>
+</file>
+
+<file path=ppt/charts/colors2.xml><?xml version="1.0" encoding="utf-8"?>
+<cs:colorStyle xmlns:cs="http://schemas.microsoft.com/office/drawing/2012/chartStyle" xmlns:a="http://schemas.openxmlformats.org/drawingml/2006/main" meth="cycle" id="10">
+  <a:schemeClr val="accent1"/>
+  <a:schemeClr val="accent2"/>
+  <a:schemeClr val="accent3"/>
+  <a:schemeClr val="accent4"/>
+  <a:schemeClr val="accent5"/>
+  <a:schemeClr val="accent6"/>
+  <cs:variation/>
+  <cs:variation>
+    <a:lumMod val="60000"/>
+  </cs:variation>
+  <cs:variation>
+    <a:lumMod val="80000"/>
+    <a:lumOff val="20000"/>
+  </cs:variation>
+  <cs:variation>
+    <a:lumMod val="80000"/>
+  </cs:variation>
+  <cs:variation>
+    <a:lumMod val="60000"/>
+    <a:lumOff val="40000"/>
+  </cs:variation>
+  <cs:variation>
+    <a:lumMod val="50000"/>
+  </cs:variation>
+  <cs:variation>
+    <a:lumMod val="70000"/>
+    <a:lumOff val="30000"/>
+  </cs:variation>
+  <cs:variation>
+    <a:lumMod val="70000"/>
+  </cs:variation>
+  <cs:variation>
+    <a:lumMod val="50000"/>
+    <a:lumOff val="50000"/>
+  </cs:variation>
+</cs:colorStyle>
+</file>
+
+<file path=ppt/charts/style1.xml><?xml version="1.0" encoding="utf-8"?>
+<cs:chartStyle xmlns:cs="http://schemas.microsoft.com/office/drawing/2012/chartStyle" xmlns:a="http://schemas.openxmlformats.org/drawingml/2006/main" id="201">
+  <cs:axisTitle>
+    <cs:lnRef idx="0"/>
+    <cs:fillRef idx="0"/>
+    <cs:effectRef idx="0"/>
+    <cs:fontRef idx="minor">
+      <a:schemeClr val="tx1">
+        <a:lumMod val="65000"/>
+        <a:lumOff val="35000"/>
+      </a:schemeClr>
+    </cs:fontRef>
+    <cs:defRPr sz="1000" kern="1200"/>
+  </cs:axisTitle>
+  <cs:categoryAxis>
+    <cs:lnRef idx="0"/>
+    <cs:fillRef idx="0"/>
+    <cs:effectRef idx="0"/>
+    <cs:fontRef idx="minor">
+      <a:schemeClr val="tx1">
+        <a:lumMod val="65000"/>
+        <a:lumOff val="35000"/>
+      </a:schemeClr>
+    </cs:fontRef>
+    <cs:spPr>
+      <a:ln w="9525" cap="flat" cmpd="sng" algn="ctr">
+        <a:solidFill>
+          <a:schemeClr val="tx1">
+            <a:lumMod val="15000"/>
+            <a:lumOff val="85000"/>
+          </a:schemeClr>
+        </a:solidFill>
+        <a:round/>
+      </a:ln>
+    </cs:spPr>
+    <cs:defRPr sz="900" kern="1200"/>
+  </cs:categoryAxis>
+  <cs:chartArea mods="allowNoFillOverride allowNoLineOverride">
+    <cs:lnRef idx="0"/>
+    <cs:fillRef idx="0"/>
+    <cs:effectRef idx="0"/>
+    <cs:fontRef idx="minor">
+      <a:schemeClr val="tx1"/>
+    </cs:fontRef>
+    <cs:spPr>
+      <a:solidFill>
+        <a:schemeClr val="bg1"/>
+      </a:solidFill>
+      <a:ln w="9525" cap="flat" cmpd="sng" algn="ctr">
+        <a:solidFill>
+          <a:schemeClr val="tx1">
+            <a:lumMod val="15000"/>
+            <a:lumOff val="85000"/>
+          </a:schemeClr>
+        </a:solidFill>
+        <a:round/>
+      </a:ln>
+    </cs:spPr>
+    <cs:defRPr sz="1000" kern="1200"/>
+  </cs:chartArea>
+  <cs:dataLabel>
+    <cs:lnRef idx="0"/>
+    <cs:fillRef idx="0"/>
+    <cs:effectRef idx="0"/>
+    <cs:fontRef idx="minor">
+      <a:schemeClr val="tx1">
+        <a:lumMod val="75000"/>
+        <a:lumOff val="25000"/>
+      </a:schemeClr>
+    </cs:fontRef>
+    <cs:defRPr sz="900" kern="1200"/>
+  </cs:dataLabel>
+  <cs:dataLabelCallout>
+    <cs:lnRef idx="0"/>
+    <cs:fillRef idx="0"/>
+    <cs:effectRef idx="0"/>
+    <cs:fontRef idx="minor">
+      <a:schemeClr val="dk1">
+        <a:lumMod val="65000"/>
+        <a:lumOff val="35000"/>
+      </a:schemeClr>
+    </cs:fontRef>
+    <cs:spPr>
+      <a:solidFill>
+        <a:schemeClr val="lt1"/>
+      </a:solidFill>
+      <a:ln>
+        <a:solidFill>
+          <a:schemeClr val="dk1">
+            <a:lumMod val="25000"/>
+            <a:lumOff val="75000"/>
+          </a:schemeClr>
+        </a:solidFill>
+      </a:ln>
+    </cs:spPr>
+    <cs:defRPr sz="900" kern="1200"/>
+    <cs:bodyPr rot="0" spcFirstLastPara="1" vertOverflow="clip" horzOverflow="clip" vert="horz" wrap="square" lIns="36576" tIns="18288" rIns="36576" bIns="18288" anchor="ctr" anchorCtr="1">
+      <a:spAutoFit/>
+    </cs:bodyPr>
+  </cs:dataLabelCallout>
+  <cs:dataPoint>
+    <cs:lnRef idx="0"/>
+    <cs:fillRef idx="1">
+      <cs:styleClr val="auto"/>
+    </cs:fillRef>
+    <cs:effectRef idx="0"/>
+    <cs:fontRef idx="minor">
+      <a:schemeClr val="tx1"/>
+    </cs:fontRef>
+  </cs:dataPoint>
+  <cs:dataPoint3D>
+    <cs:lnRef idx="0"/>
+    <cs:fillRef idx="1">
+      <cs:styleClr val="auto"/>
+    </cs:fillRef>
+    <cs:effectRef idx="0"/>
+    <cs:fontRef idx="minor">
+      <a:schemeClr val="tx1"/>
+    </cs:fontRef>
+  </cs:dataPoint3D>
+  <cs:dataPointLine>
+    <cs:lnRef idx="0">
+      <cs:styleClr val="auto"/>
+    </cs:lnRef>
+    <cs:fillRef idx="1"/>
+    <cs:effectRef idx="0"/>
+    <cs:fontRef idx="minor">
+      <a:schemeClr val="tx1"/>
+    </cs:fontRef>
+    <cs:spPr>
+      <a:ln w="28575" cap="rnd">
+        <a:solidFill>
+          <a:schemeClr val="phClr"/>
+        </a:solidFill>
+        <a:round/>
+      </a:ln>
+    </cs:spPr>
+  </cs:dataPointLine>
+  <cs:dataPointMarker>
+    <cs:lnRef idx="0">
+      <cs:styleClr val="auto"/>
+    </cs:lnRef>
+    <cs:fillRef idx="1">
+      <cs:styleClr val="auto"/>
+    </cs:fillRef>
+    <cs:effectRef idx="0"/>
+    <cs:fontRef idx="minor">
+      <a:schemeClr val="tx1"/>
+    </cs:fontRef>
+    <cs:spPr>
+      <a:ln w="9525">
+        <a:solidFill>
+          <a:schemeClr val="phClr"/>
+        </a:solidFill>
+      </a:ln>
+    </cs:spPr>
+  </cs:dataPointMarker>
+  <cs:dataPointMarkerLayout symbol="circle" size="5"/>
+  <cs:dataPointWireframe>
+    <cs:lnRef idx="0">
+      <cs:styleClr val="auto"/>
+    </cs:lnRef>
+    <cs:fillRef idx="1"/>
+    <cs:effectRef idx="0"/>
+    <cs:fontRef idx="minor">
+      <a:schemeClr val="tx1"/>
+    </cs:fontRef>
+    <cs:spPr>
+      <a:ln w="9525" cap="rnd">
+        <a:solidFill>
+          <a:schemeClr val="phClr"/>
+        </a:solidFill>
+        <a:round/>
+      </a:ln>
+    </cs:spPr>
+  </cs:dataPointWireframe>
+  <cs:dataTable>
+    <cs:lnRef idx="0"/>
+    <cs:fillRef idx="0"/>
+    <cs:effectRef idx="0"/>
+    <cs:fontRef idx="minor">
+      <a:schemeClr val="tx1">
+        <a:lumMod val="65000"/>
+        <a:lumOff val="35000"/>
+      </a:schemeClr>
+    </cs:fontRef>
+    <cs:spPr>
+      <a:noFill/>
+      <a:ln w="9525" cap="flat" cmpd="sng" algn="ctr">
+        <a:solidFill>
+          <a:schemeClr val="tx1">
+            <a:lumMod val="15000"/>
+            <a:lumOff val="85000"/>
+          </a:schemeClr>
+        </a:solidFill>
+        <a:round/>
+      </a:ln>
+    </cs:spPr>
+    <cs:defRPr sz="900" kern="1200"/>
+  </cs:dataTable>
+  <cs:downBar>
+    <cs:lnRef idx="0"/>
+    <cs:fillRef idx="0"/>
+    <cs:effectRef idx="0"/>
+    <cs:fontRef idx="minor">
+      <a:schemeClr val="dk1"/>
+    </cs:fontRef>
+    <cs:spPr>
+      <a:solidFill>
+        <a:schemeClr val="dk1">
+          <a:lumMod val="65000"/>
+          <a:lumOff val="35000"/>
+        </a:schemeClr>
+      </a:solidFill>
+      <a:ln w="9525">
+        <a:solidFill>
+          <a:schemeClr val="tx1">
+            <a:lumMod val="65000"/>
+            <a:lumOff val="35000"/>
+          </a:schemeClr>
+        </a:solidFill>
+      </a:ln>
+    </cs:spPr>
+  </cs:downBar>
+  <cs:dropLine>
+    <cs:lnRef idx="0"/>
+    <cs:fillRef idx="0"/>
+    <cs:effectRef idx="0"/>
+    <cs:fontRef idx="minor">
+      <a:schemeClr val="tx1"/>
+    </cs:fontRef>
+    <cs:spPr>
+      <a:ln w="9525" cap="flat" cmpd="sng" algn="ctr">
+        <a:solidFill>
+          <a:schemeClr val="tx1">
+            <a:lumMod val="35000"/>
+            <a:lumOff val="65000"/>
+          </a:schemeClr>
+        </a:solidFill>
+        <a:round/>
+      </a:ln>
+    </cs:spPr>
+  </cs:dropLine>
+  <cs:errorBar>
+    <cs:lnRef idx="0"/>
+    <cs:fillRef idx="0"/>
+    <cs:effectRef idx="0"/>
+    <cs:fontRef idx="minor">
+      <a:schemeClr val="tx1"/>
+    </cs:fontRef>
+    <cs:spPr>
+      <a:ln w="9525" cap="flat" cmpd="sng" algn="ctr">
+        <a:solidFill>
+          <a:schemeClr val="tx1">
+            <a:lumMod val="65000"/>
+            <a:lumOff val="35000"/>
+          </a:schemeClr>
+        </a:solidFill>
+        <a:round/>
+      </a:ln>
+    </cs:spPr>
+  </cs:errorBar>
+  <cs:floor>
+    <cs:lnRef idx="0"/>
+    <cs:fillRef idx="0"/>
+    <cs:effectRef idx="0"/>
+    <cs:fontRef idx="minor">
+      <a:schemeClr val="tx1"/>
+    </cs:fontRef>
+    <cs:spPr>
+      <a:noFill/>
+      <a:ln>
+        <a:noFill/>
+      </a:ln>
+    </cs:spPr>
+  </cs:floor>
+  <cs:gridlineMajor>
+    <cs:lnRef idx="0"/>
+    <cs:fillRef idx="0"/>
+    <cs:effectRef idx="0"/>
+    <cs:fontRef idx="minor">
+      <a:schemeClr val="tx1"/>
+    </cs:fontRef>
+    <cs:spPr>
+      <a:ln w="9525" cap="flat" cmpd="sng" algn="ctr">
+        <a:solidFill>
+          <a:schemeClr val="tx1">
+            <a:lumMod val="15000"/>
+            <a:lumOff val="85000"/>
+          </a:schemeClr>
+        </a:solidFill>
+        <a:round/>
+      </a:ln>
+    </cs:spPr>
+  </cs:gridlineMajor>
+  <cs:gridlineMinor>
+    <cs:lnRef idx="0"/>
+    <cs:fillRef idx="0"/>
+    <cs:effectRef idx="0"/>
+    <cs:fontRef idx="minor">
+      <a:schemeClr val="tx1"/>
+    </cs:fontRef>
+    <cs:spPr>
+      <a:ln w="9525" cap="flat" cmpd="sng" algn="ctr">
+        <a:solidFill>
+          <a:schemeClr val="tx1">
+            <a:lumMod val="5000"/>
+            <a:lumOff val="95000"/>
+          </a:schemeClr>
+        </a:solidFill>
+        <a:round/>
+      </a:ln>
+    </cs:spPr>
+  </cs:gridlineMinor>
+  <cs:hiLoLine>
+    <cs:lnRef idx="0"/>
+    <cs:fillRef idx="0"/>
+    <cs:effectRef idx="0"/>
+    <cs:fontRef idx="minor">
+      <a:schemeClr val="tx1"/>
+    </cs:fontRef>
+    <cs:spPr>
+      <a:ln w="9525" cap="flat" cmpd="sng" algn="ctr">
+        <a:solidFill>
+          <a:schemeClr val="tx1">
+            <a:lumMod val="75000"/>
+            <a:lumOff val="25000"/>
+          </a:schemeClr>
+        </a:solidFill>
+        <a:round/>
+      </a:ln>
+    </cs:spPr>
+  </cs:hiLoLine>
+  <cs:leaderLine>
+    <cs:lnRef idx="0"/>
+    <cs:fillRef idx="0"/>
+    <cs:effectRef idx="0"/>
+    <cs:fontRef idx="minor">
+      <a:schemeClr val="tx1"/>
+    </cs:fontRef>
+    <cs:spPr>
+      <a:ln w="9525" cap="flat" cmpd="sng" algn="ctr">
+        <a:solidFill>
+          <a:schemeClr val="tx1">
+            <a:lumMod val="35000"/>
+            <a:lumOff val="65000"/>
+          </a:schemeClr>
+        </a:solidFill>
+        <a:round/>
+      </a:ln>
+    </cs:spPr>
+  </cs:leaderLine>
+  <cs:legend>
+    <cs:lnRef idx="0"/>
+    <cs:fillRef idx="0"/>
+    <cs:effectRef idx="0"/>
+    <cs:fontRef idx="minor">
+      <a:schemeClr val="tx1">
+        <a:lumMod val="65000"/>
+        <a:lumOff val="35000"/>
+      </a:schemeClr>
+    </cs:fontRef>
+    <cs:defRPr sz="900" kern="1200"/>
+  </cs:legend>
+  <cs:plotArea mods="allowNoFillOverride allowNoLineOverride">
+    <cs:lnRef idx="0"/>
+    <cs:fillRef idx="0"/>
+    <cs:effectRef idx="0"/>
+    <cs:fontRef idx="minor">
+      <a:schemeClr val="tx1"/>
+    </cs:fontRef>
+  </cs:plotArea>
+  <cs:plotArea3D mods="allowNoFillOverride allowNoLineOverride">
+    <cs:lnRef idx="0"/>
+    <cs:fillRef idx="0"/>
+    <cs:effectRef idx="0"/>
+    <cs:fontRef idx="minor">
+      <a:schemeClr val="tx1"/>
+    </cs:fontRef>
+  </cs:plotArea3D>
+  <cs:seriesAxis>
+    <cs:lnRef idx="0"/>
+    <cs:fillRef idx="0"/>
+    <cs:effectRef idx="0"/>
+    <cs:fontRef idx="minor">
+      <a:schemeClr val="tx1">
+        <a:lumMod val="65000"/>
+        <a:lumOff val="35000"/>
+      </a:schemeClr>
+    </cs:fontRef>
+    <cs:defRPr sz="900" kern="1200"/>
+  </cs:seriesAxis>
+  <cs:seriesLine>
+    <cs:lnRef idx="0"/>
+    <cs:fillRef idx="0"/>
+    <cs:effectRef idx="0"/>
+    <cs:fontRef idx="minor">
+      <a:schemeClr val="tx1"/>
+    </cs:fontRef>
+    <cs:spPr>
+      <a:ln w="9525" cap="flat" cmpd="sng" algn="ctr">
+        <a:solidFill>
+          <a:schemeClr val="tx1">
+            <a:lumMod val="35000"/>
+            <a:lumOff val="65000"/>
+          </a:schemeClr>
+        </a:solidFill>
+        <a:round/>
+      </a:ln>
+    </cs:spPr>
+  </cs:seriesLine>
+  <cs:title>
+    <cs:lnRef idx="0"/>
+    <cs:fillRef idx="0"/>
+    <cs:effectRef idx="0"/>
+    <cs:fontRef idx="minor">
+      <a:schemeClr val="tx1">
+        <a:lumMod val="65000"/>
+        <a:lumOff val="35000"/>
+      </a:schemeClr>
+    </cs:fontRef>
+    <cs:defRPr sz="1400" b="0" kern="1200" spc="0" baseline="0"/>
+  </cs:title>
+  <cs:trendline>
+    <cs:lnRef idx="0">
+      <cs:styleClr val="auto"/>
+    </cs:lnRef>
+    <cs:fillRef idx="0"/>
+    <cs:effectRef idx="0"/>
+    <cs:fontRef idx="minor">
+      <a:schemeClr val="tx1"/>
+    </cs:fontRef>
+    <cs:spPr>
+      <a:ln w="19050" cap="rnd">
+        <a:solidFill>
+          <a:schemeClr val="phClr"/>
+        </a:solidFill>
+        <a:prstDash val="sysDot"/>
+      </a:ln>
+    </cs:spPr>
+  </cs:trendline>
+  <cs:trendlineLabel>
+    <cs:lnRef idx="0"/>
+    <cs:fillRef idx="0"/>
+    <cs:effectRef idx="0"/>
+    <cs:fontRef idx="minor">
+      <a:schemeClr val="tx1">
+        <a:lumMod val="65000"/>
+        <a:lumOff val="35000"/>
+      </a:schemeClr>
+    </cs:fontRef>
+    <cs:defRPr sz="900" kern="1200"/>
+  </cs:trendlineLabel>
+  <cs:upBar>
+    <cs:lnRef idx="0"/>
+    <cs:fillRef idx="0"/>
+    <cs:effectRef idx="0"/>
+    <cs:fontRef idx="minor">
+      <a:schemeClr val="dk1"/>
+    </cs:fontRef>
+    <cs:spPr>
+      <a:solidFill>
+        <a:schemeClr val="lt1"/>
+      </a:solidFill>
+      <a:ln w="9525">
+        <a:solidFill>
+          <a:schemeClr val="tx1">
+            <a:lumMod val="15000"/>
+            <a:lumOff val="85000"/>
+          </a:schemeClr>
+        </a:solidFill>
+      </a:ln>
+    </cs:spPr>
+  </cs:upBar>
+  <cs:valueAxis>
+    <cs:lnRef idx="0"/>
+    <cs:fillRef idx="0"/>
+    <cs:effectRef idx="0"/>
+    <cs:fontRef idx="minor">
+      <a:schemeClr val="tx1">
+        <a:lumMod val="65000"/>
+        <a:lumOff val="35000"/>
+      </a:schemeClr>
+    </cs:fontRef>
+    <cs:defRPr sz="900" kern="1200"/>
+  </cs:valueAxis>
+  <cs:wall>
+    <cs:lnRef idx="0"/>
+    <cs:fillRef idx="0"/>
+    <cs:effectRef idx="0"/>
+    <cs:fontRef idx="minor">
+      <a:schemeClr val="tx1"/>
+    </cs:fontRef>
+    <cs:spPr>
+      <a:noFill/>
+      <a:ln>
+        <a:noFill/>
+      </a:ln>
+    </cs:spPr>
+  </cs:wall>
+</cs:chartStyle>
+</file>
+
+<file path=ppt/charts/style2.xml><?xml version="1.0" encoding="utf-8"?>
+<cs:chartStyle xmlns:cs="http://schemas.microsoft.com/office/drawing/2012/chartStyle" xmlns:a="http://schemas.openxmlformats.org/drawingml/2006/main" id="201">
+  <cs:axisTitle>
+    <cs:lnRef idx="0"/>
+    <cs:fillRef idx="0"/>
+    <cs:effectRef idx="0"/>
+    <cs:fontRef idx="minor">
+      <a:schemeClr val="tx1">
+        <a:lumMod val="65000"/>
+        <a:lumOff val="35000"/>
+      </a:schemeClr>
+    </cs:fontRef>
+    <cs:defRPr sz="1000" kern="1200"/>
+  </cs:axisTitle>
+  <cs:categoryAxis>
+    <cs:lnRef idx="0"/>
+    <cs:fillRef idx="0"/>
+    <cs:effectRef idx="0"/>
+    <cs:fontRef idx="minor">
+      <a:schemeClr val="tx1">
+        <a:lumMod val="65000"/>
+        <a:lumOff val="35000"/>
+      </a:schemeClr>
+    </cs:fontRef>
+    <cs:spPr>
+      <a:ln w="9525" cap="flat" cmpd="sng" algn="ctr">
+        <a:solidFill>
+          <a:schemeClr val="tx1">
+            <a:lumMod val="15000"/>
+            <a:lumOff val="85000"/>
+          </a:schemeClr>
+        </a:solidFill>
+        <a:round/>
+      </a:ln>
+    </cs:spPr>
+    <cs:defRPr sz="900" kern="1200"/>
+  </cs:categoryAxis>
+  <cs:chartArea mods="allowNoFillOverride allowNoLineOverride">
+    <cs:lnRef idx="0"/>
+    <cs:fillRef idx="0"/>
+    <cs:effectRef idx="0"/>
+    <cs:fontRef idx="minor">
+      <a:schemeClr val="tx1"/>
+    </cs:fontRef>
+    <cs:spPr>
+      <a:solidFill>
+        <a:schemeClr val="bg1"/>
+      </a:solidFill>
+      <a:ln w="9525" cap="flat" cmpd="sng" algn="ctr">
+        <a:solidFill>
+          <a:schemeClr val="tx1">
+            <a:lumMod val="15000"/>
+            <a:lumOff val="85000"/>
+          </a:schemeClr>
+        </a:solidFill>
+        <a:round/>
+      </a:ln>
+    </cs:spPr>
+    <cs:defRPr sz="1000" kern="1200"/>
+  </cs:chartArea>
+  <cs:dataLabel>
+    <cs:lnRef idx="0"/>
+    <cs:fillRef idx="0"/>
+    <cs:effectRef idx="0"/>
+    <cs:fontRef idx="minor">
+      <a:schemeClr val="tx1">
+        <a:lumMod val="75000"/>
+        <a:lumOff val="25000"/>
+      </a:schemeClr>
+    </cs:fontRef>
+    <cs:defRPr sz="900" kern="1200"/>
+  </cs:dataLabel>
+  <cs:dataLabelCallout>
+    <cs:lnRef idx="0"/>
+    <cs:fillRef idx="0"/>
+    <cs:effectRef idx="0"/>
+    <cs:fontRef idx="minor">
+      <a:schemeClr val="dk1">
+        <a:lumMod val="65000"/>
+        <a:lumOff val="35000"/>
+      </a:schemeClr>
+    </cs:fontRef>
+    <cs:spPr>
+      <a:solidFill>
+        <a:schemeClr val="lt1"/>
+      </a:solidFill>
+      <a:ln>
+        <a:solidFill>
+          <a:schemeClr val="dk1">
+            <a:lumMod val="25000"/>
+            <a:lumOff val="75000"/>
+          </a:schemeClr>
+        </a:solidFill>
+      </a:ln>
+    </cs:spPr>
+    <cs:defRPr sz="900" kern="1200"/>
+    <cs:bodyPr rot="0" spcFirstLastPara="1" vertOverflow="clip" horzOverflow="clip" vert="horz" wrap="square" lIns="36576" tIns="18288" rIns="36576" bIns="18288" anchor="ctr" anchorCtr="1">
+      <a:spAutoFit/>
+    </cs:bodyPr>
+  </cs:dataLabelCallout>
+  <cs:dataPoint>
+    <cs:lnRef idx="0"/>
+    <cs:fillRef idx="1">
+      <cs:styleClr val="auto"/>
+    </cs:fillRef>
+    <cs:effectRef idx="0"/>
+    <cs:fontRef idx="minor">
+      <a:schemeClr val="tx1"/>
+    </cs:fontRef>
+  </cs:dataPoint>
+  <cs:dataPoint3D>
+    <cs:lnRef idx="0"/>
+    <cs:fillRef idx="1">
+      <cs:styleClr val="auto"/>
+    </cs:fillRef>
+    <cs:effectRef idx="0"/>
+    <cs:fontRef idx="minor">
+      <a:schemeClr val="tx1"/>
+    </cs:fontRef>
+  </cs:dataPoint3D>
+  <cs:dataPointLine>
+    <cs:lnRef idx="0">
+      <cs:styleClr val="auto"/>
+    </cs:lnRef>
+    <cs:fillRef idx="1"/>
+    <cs:effectRef idx="0"/>
+    <cs:fontRef idx="minor">
+      <a:schemeClr val="tx1"/>
+    </cs:fontRef>
+    <cs:spPr>
+      <a:ln w="28575" cap="rnd">
+        <a:solidFill>
+          <a:schemeClr val="phClr"/>
+        </a:solidFill>
+        <a:round/>
+      </a:ln>
+    </cs:spPr>
+  </cs:dataPointLine>
+  <cs:dataPointMarker>
+    <cs:lnRef idx="0">
+      <cs:styleClr val="auto"/>
+    </cs:lnRef>
+    <cs:fillRef idx="1">
+      <cs:styleClr val="auto"/>
+    </cs:fillRef>
+    <cs:effectRef idx="0"/>
+    <cs:fontRef idx="minor">
+      <a:schemeClr val="tx1"/>
+    </cs:fontRef>
+    <cs:spPr>
+      <a:ln w="9525">
+        <a:solidFill>
+          <a:schemeClr val="phClr"/>
+        </a:solidFill>
+      </a:ln>
+    </cs:spPr>
+  </cs:dataPointMarker>
+  <cs:dataPointMarkerLayout symbol="circle" size="5"/>
+  <cs:dataPointWireframe>
+    <cs:lnRef idx="0">
+      <cs:styleClr val="auto"/>
+    </cs:lnRef>
+    <cs:fillRef idx="1"/>
+    <cs:effectRef idx="0"/>
+    <cs:fontRef idx="minor">
+      <a:schemeClr val="tx1"/>
+    </cs:fontRef>
+    <cs:spPr>
+      <a:ln w="9525" cap="rnd">
+        <a:solidFill>
+          <a:schemeClr val="phClr"/>
+        </a:solidFill>
+        <a:round/>
+      </a:ln>
+    </cs:spPr>
+  </cs:dataPointWireframe>
+  <cs:dataTable>
+    <cs:lnRef idx="0"/>
+    <cs:fillRef idx="0"/>
+    <cs:effectRef idx="0"/>
+    <cs:fontRef idx="minor">
+      <a:schemeClr val="tx1">
+        <a:lumMod val="65000"/>
+        <a:lumOff val="35000"/>
+      </a:schemeClr>
+    </cs:fontRef>
+    <cs:spPr>
+      <a:noFill/>
+      <a:ln w="9525" cap="flat" cmpd="sng" algn="ctr">
+        <a:solidFill>
+          <a:schemeClr val="tx1">
+            <a:lumMod val="15000"/>
+            <a:lumOff val="85000"/>
+          </a:schemeClr>
+        </a:solidFill>
+        <a:round/>
+      </a:ln>
+    </cs:spPr>
+    <cs:defRPr sz="900" kern="1200"/>
+  </cs:dataTable>
+  <cs:downBar>
+    <cs:lnRef idx="0"/>
+    <cs:fillRef idx="0"/>
+    <cs:effectRef idx="0"/>
+    <cs:fontRef idx="minor">
+      <a:schemeClr val="dk1"/>
+    </cs:fontRef>
+    <cs:spPr>
+      <a:solidFill>
+        <a:schemeClr val="dk1">
+          <a:lumMod val="65000"/>
+          <a:lumOff val="35000"/>
+        </a:schemeClr>
+      </a:solidFill>
+      <a:ln w="9525">
+        <a:solidFill>
+          <a:schemeClr val="tx1">
+            <a:lumMod val="65000"/>
+            <a:lumOff val="35000"/>
+          </a:schemeClr>
+        </a:solidFill>
+      </a:ln>
+    </cs:spPr>
+  </cs:downBar>
+  <cs:dropLine>
+    <cs:lnRef idx="0"/>
+    <cs:fillRef idx="0"/>
+    <cs:effectRef idx="0"/>
+    <cs:fontRef idx="minor">
+      <a:schemeClr val="tx1"/>
+    </cs:fontRef>
+    <cs:spPr>
+      <a:ln w="9525" cap="flat" cmpd="sng" algn="ctr">
+        <a:solidFill>
+          <a:schemeClr val="tx1">
+            <a:lumMod val="35000"/>
+            <a:lumOff val="65000"/>
+          </a:schemeClr>
+        </a:solidFill>
+        <a:round/>
+      </a:ln>
+    </cs:spPr>
+  </cs:dropLine>
+  <cs:errorBar>
+    <cs:lnRef idx="0"/>
+    <cs:fillRef idx="0"/>
+    <cs:effectRef idx="0"/>
+    <cs:fontRef idx="minor">
+      <a:schemeClr val="tx1"/>
+    </cs:fontRef>
+    <cs:spPr>
+      <a:ln w="9525" cap="flat" cmpd="sng" algn="ctr">
+        <a:solidFill>
+          <a:schemeClr val="tx1">
+            <a:lumMod val="65000"/>
+            <a:lumOff val="35000"/>
+          </a:schemeClr>
+        </a:solidFill>
+        <a:round/>
+      </a:ln>
+    </cs:spPr>
+  </cs:errorBar>
+  <cs:floor>
+    <cs:lnRef idx="0"/>
+    <cs:fillRef idx="0"/>
+    <cs:effectRef idx="0"/>
+    <cs:fontRef idx="minor">
+      <a:schemeClr val="tx1"/>
+    </cs:fontRef>
+    <cs:spPr>
+      <a:noFill/>
+      <a:ln>
+        <a:noFill/>
+      </a:ln>
+    </cs:spPr>
+  </cs:floor>
+  <cs:gridlineMajor>
+    <cs:lnRef idx="0"/>
+    <cs:fillRef idx="0"/>
+    <cs:effectRef idx="0"/>
+    <cs:fontRef idx="minor">
+      <a:schemeClr val="tx1"/>
+    </cs:fontRef>
+    <cs:spPr>
+      <a:ln w="9525" cap="flat" cmpd="sng" algn="ctr">
+        <a:solidFill>
+          <a:schemeClr val="tx1">
+            <a:lumMod val="15000"/>
+            <a:lumOff val="85000"/>
+          </a:schemeClr>
+        </a:solidFill>
+        <a:round/>
+      </a:ln>
+    </cs:spPr>
+  </cs:gridlineMajor>
+  <cs:gridlineMinor>
+    <cs:lnRef idx="0"/>
+    <cs:fillRef idx="0"/>
+    <cs:effectRef idx="0"/>
+    <cs:fontRef idx="minor">
+      <a:schemeClr val="tx1"/>
+    </cs:fontRef>
+    <cs:spPr>
+      <a:ln w="9525" cap="flat" cmpd="sng" algn="ctr">
+        <a:solidFill>
+          <a:schemeClr val="tx1">
+            <a:lumMod val="5000"/>
+            <a:lumOff val="95000"/>
+          </a:schemeClr>
+        </a:solidFill>
+        <a:round/>
+      </a:ln>
+    </cs:spPr>
+  </cs:gridlineMinor>
+  <cs:hiLoLine>
+    <cs:lnRef idx="0"/>
+    <cs:fillRef idx="0"/>
+    <cs:effectRef idx="0"/>
+    <cs:fontRef idx="minor">
+      <a:schemeClr val="tx1"/>
+    </cs:fontRef>
+    <cs:spPr>
+      <a:ln w="9525" cap="flat" cmpd="sng" algn="ctr">
+        <a:solidFill>
+          <a:schemeClr val="tx1">
+            <a:lumMod val="75000"/>
+            <a:lumOff val="25000"/>
+          </a:schemeClr>
+        </a:solidFill>
+        <a:round/>
+      </a:ln>
+    </cs:spPr>
+  </cs:hiLoLine>
+  <cs:leaderLine>
+    <cs:lnRef idx="0"/>
+    <cs:fillRef idx="0"/>
+    <cs:effectRef idx="0"/>
+    <cs:fontRef idx="minor">
+      <a:schemeClr val="tx1"/>
+    </cs:fontRef>
+    <cs:spPr>
+      <a:ln w="9525" cap="flat" cmpd="sng" algn="ctr">
+        <a:solidFill>
+          <a:schemeClr val="tx1">
+            <a:lumMod val="35000"/>
+            <a:lumOff val="65000"/>
+          </a:schemeClr>
+        </a:solidFill>
+        <a:round/>
+      </a:ln>
+    </cs:spPr>
+  </cs:leaderLine>
+  <cs:legend>
+    <cs:lnRef idx="0"/>
+    <cs:fillRef idx="0"/>
+    <cs:effectRef idx="0"/>
+    <cs:fontRef idx="minor">
+      <a:schemeClr val="tx1">
+        <a:lumMod val="65000"/>
+        <a:lumOff val="35000"/>
+      </a:schemeClr>
+    </cs:fontRef>
+    <cs:defRPr sz="900" kern="1200"/>
+  </cs:legend>
+  <cs:plotArea mods="allowNoFillOverride allowNoLineOverride">
+    <cs:lnRef idx="0"/>
+    <cs:fillRef idx="0"/>
+    <cs:effectRef idx="0"/>
+    <cs:fontRef idx="minor">
+      <a:schemeClr val="tx1"/>
+    </cs:fontRef>
+  </cs:plotArea>
+  <cs:plotArea3D mods="allowNoFillOverride allowNoLineOverride">
+    <cs:lnRef idx="0"/>
+    <cs:fillRef idx="0"/>
+    <cs:effectRef idx="0"/>
+    <cs:fontRef idx="minor">
+      <a:schemeClr val="tx1"/>
+    </cs:fontRef>
+  </cs:plotArea3D>
+  <cs:seriesAxis>
+    <cs:lnRef idx="0"/>
+    <cs:fillRef idx="0"/>
+    <cs:effectRef idx="0"/>
+    <cs:fontRef idx="minor">
+      <a:schemeClr val="tx1">
+        <a:lumMod val="65000"/>
+        <a:lumOff val="35000"/>
+      </a:schemeClr>
+    </cs:fontRef>
+    <cs:defRPr sz="900" kern="1200"/>
+  </cs:seriesAxis>
+  <cs:seriesLine>
+    <cs:lnRef idx="0"/>
+    <cs:fillRef idx="0"/>
+    <cs:effectRef idx="0"/>
+    <cs:fontRef idx="minor">
+      <a:schemeClr val="tx1"/>
+    </cs:fontRef>
+    <cs:spPr>
+      <a:ln w="9525" cap="flat" cmpd="sng" algn="ctr">
+        <a:solidFill>
+          <a:schemeClr val="tx1">
+            <a:lumMod val="35000"/>
+            <a:lumOff val="65000"/>
+          </a:schemeClr>
+        </a:solidFill>
+        <a:round/>
+      </a:ln>
+    </cs:spPr>
+  </cs:seriesLine>
+  <cs:title>
+    <cs:lnRef idx="0"/>
+    <cs:fillRef idx="0"/>
+    <cs:effectRef idx="0"/>
+    <cs:fontRef idx="minor">
+      <a:schemeClr val="tx1">
+        <a:lumMod val="65000"/>
+        <a:lumOff val="35000"/>
+      </a:schemeClr>
+    </cs:fontRef>
+    <cs:defRPr sz="1400" b="0" kern="1200" spc="0" baseline="0"/>
+  </cs:title>
+  <cs:trendline>
+    <cs:lnRef idx="0">
+      <cs:styleClr val="auto"/>
+    </cs:lnRef>
+    <cs:fillRef idx="0"/>
+    <cs:effectRef idx="0"/>
+    <cs:fontRef idx="minor">
+      <a:schemeClr val="tx1"/>
+    </cs:fontRef>
+    <cs:spPr>
+      <a:ln w="19050" cap="rnd">
+        <a:solidFill>
+          <a:schemeClr val="phClr"/>
+        </a:solidFill>
+        <a:prstDash val="sysDot"/>
+      </a:ln>
+    </cs:spPr>
+  </cs:trendline>
+  <cs:trendlineLabel>
+    <cs:lnRef idx="0"/>
+    <cs:fillRef idx="0"/>
+    <cs:effectRef idx="0"/>
+    <cs:fontRef idx="minor">
+      <a:schemeClr val="tx1">
+        <a:lumMod val="65000"/>
+        <a:lumOff val="35000"/>
+      </a:schemeClr>
+    </cs:fontRef>
+    <cs:defRPr sz="900" kern="1200"/>
+  </cs:trendlineLabel>
+  <cs:upBar>
+    <cs:lnRef idx="0"/>
+    <cs:fillRef idx="0"/>
+    <cs:effectRef idx="0"/>
+    <cs:fontRef idx="minor">
+      <a:schemeClr val="dk1"/>
+    </cs:fontRef>
+    <cs:spPr>
+      <a:solidFill>
+        <a:schemeClr val="lt1"/>
+      </a:solidFill>
+      <a:ln w="9525">
+        <a:solidFill>
+          <a:schemeClr val="tx1">
+            <a:lumMod val="15000"/>
+            <a:lumOff val="85000"/>
+          </a:schemeClr>
+        </a:solidFill>
+      </a:ln>
+    </cs:spPr>
+  </cs:upBar>
+  <cs:valueAxis>
+    <cs:lnRef idx="0"/>
+    <cs:fillRef idx="0"/>
+    <cs:effectRef idx="0"/>
+    <cs:fontRef idx="minor">
+      <a:schemeClr val="tx1">
+        <a:lumMod val="65000"/>
+        <a:lumOff val="35000"/>
+      </a:schemeClr>
+    </cs:fontRef>
+    <cs:defRPr sz="900" kern="1200"/>
+  </cs:valueAxis>
+  <cs:wall>
+    <cs:lnRef idx="0"/>
+    <cs:fillRef idx="0"/>
+    <cs:effectRef idx="0"/>
+    <cs:fontRef idx="minor">
+      <a:schemeClr val="tx1"/>
+    </cs:fontRef>
+    <cs:spPr>
+      <a:noFill/>
+      <a:ln>
+        <a:noFill/>
+      </a:ln>
+    </cs:spPr>
+  </cs:wall>
+</cs:chartStyle>
+</file>
+
 <file path=ppt/handoutMasters/handoutMaster1.xml><?xml version="1.0" encoding="utf-8"?>
 <p:handoutMaster xmlns:a="http://schemas.openxmlformats.org/drawingml/2006/main" xmlns:r="http://schemas.openxmlformats.org/officeDocument/2006/relationships" xmlns:p="http://schemas.openxmlformats.org/presentationml/2006/main">
   <p:cSld>
@@ -229,7 +2815,7 @@
           <a:p>
             <a:fld id="{E7D576D3-F94E-45E5-A61A-812E9CAA3826}" type="datetimeFigureOut">
               <a:rPr lang="zh-CN" altLang="en-US" smtClean="0"/>
-              <a:t>2020/6/10</a:t>
+              <a:t>2020/6/11</a:t>
             </a:fld>
             <a:endParaRPr lang="zh-CN" altLang="en-US"/>
           </a:p>
@@ -394,7 +2980,7 @@
           <a:p>
             <a:fld id="{DBC82160-04F3-4E68-B714-C65D9EBED1FD}" type="datetimeFigureOut">
               <a:rPr lang="en-US" smtClean="0"/>
-              <a:t>6/10/2020</a:t>
+              <a:t>6/11/2020</a:t>
             </a:fld>
             <a:endParaRPr lang="en-US"/>
           </a:p>
@@ -892,7 +3478,7 @@
           <a:graphicData uri="http://schemas.openxmlformats.org/presentationml/2006/ole">
             <mc:AlternateContent xmlns:mc="http://schemas.openxmlformats.org/markup-compatibility/2006">
               <mc:Choice xmlns:v="urn:schemas-microsoft-com:vml" Requires="v">
-                <p:oleObj spid="_x0000_s3011" name="think-cell Slide" r:id="rId6" imgW="360" imgH="360" progId="">
+                <p:oleObj spid="_x0000_s3029" name="think-cell Slide" r:id="rId6" imgW="360" imgH="360" progId="">
                   <p:embed/>
                 </p:oleObj>
               </mc:Choice>
@@ -1286,7 +3872,7 @@
           <a:p>
             <a:fld id="{04BFB7E1-435A-4A9B-A3A6-797FA8A57F44}" type="datetimeFigureOut">
               <a:rPr lang="en-US" smtClean="0"/>
-              <a:t>6/10/2020</a:t>
+              <a:t>6/11/2020</a:t>
             </a:fld>
             <a:endParaRPr lang="en-US"/>
           </a:p>
@@ -1515,7 +4101,7 @@
           <a:p>
             <a:fld id="{04BFB7E1-435A-4A9B-A3A6-797FA8A57F44}" type="datetimeFigureOut">
               <a:rPr lang="en-US" smtClean="0"/>
-              <a:t>6/10/2020</a:t>
+              <a:t>6/11/2020</a:t>
             </a:fld>
             <a:endParaRPr lang="en-US"/>
           </a:p>
@@ -1879,7 +4465,7 @@
           <a:p>
             <a:fld id="{04BFB7E1-435A-4A9B-A3A6-797FA8A57F44}" type="datetimeFigureOut">
               <a:rPr lang="en-US" smtClean="0"/>
-              <a:t>6/10/2020</a:t>
+              <a:t>6/11/2020</a:t>
             </a:fld>
             <a:endParaRPr lang="en-US"/>
           </a:p>
@@ -1996,7 +4582,7 @@
           <a:p>
             <a:fld id="{04BFB7E1-435A-4A9B-A3A6-797FA8A57F44}" type="datetimeFigureOut">
               <a:rPr lang="en-US" smtClean="0"/>
-              <a:t>6/10/2020</a:t>
+              <a:t>6/11/2020</a:t>
             </a:fld>
             <a:endParaRPr lang="en-US"/>
           </a:p>
@@ -2091,7 +4677,7 @@
           <a:p>
             <a:fld id="{04BFB7E1-435A-4A9B-A3A6-797FA8A57F44}" type="datetimeFigureOut">
               <a:rPr lang="en-US" smtClean="0"/>
-              <a:t>6/10/2020</a:t>
+              <a:t>6/11/2020</a:t>
             </a:fld>
             <a:endParaRPr lang="en-US"/>
           </a:p>
@@ -2366,7 +4952,7 @@
           <a:p>
             <a:fld id="{04BFB7E1-435A-4A9B-A3A6-797FA8A57F44}" type="datetimeFigureOut">
               <a:rPr lang="en-US" smtClean="0"/>
-              <a:t>6/10/2020</a:t>
+              <a:t>6/11/2020</a:t>
             </a:fld>
             <a:endParaRPr lang="en-US"/>
           </a:p>
@@ -2618,7 +5204,7 @@
           <a:p>
             <a:fld id="{04BFB7E1-435A-4A9B-A3A6-797FA8A57F44}" type="datetimeFigureOut">
               <a:rPr lang="en-US" smtClean="0"/>
-              <a:t>6/10/2020</a:t>
+              <a:t>6/11/2020</a:t>
             </a:fld>
             <a:endParaRPr lang="en-US"/>
           </a:p>
@@ -2786,7 +5372,7 @@
           <a:p>
             <a:fld id="{04BFB7E1-435A-4A9B-A3A6-797FA8A57F44}" type="datetimeFigureOut">
               <a:rPr lang="en-US" smtClean="0"/>
-              <a:t>6/10/2020</a:t>
+              <a:t>6/11/2020</a:t>
             </a:fld>
             <a:endParaRPr lang="en-US"/>
           </a:p>
@@ -2964,7 +5550,7 @@
           <a:p>
             <a:fld id="{04BFB7E1-435A-4A9B-A3A6-797FA8A57F44}" type="datetimeFigureOut">
               <a:rPr lang="en-US" smtClean="0"/>
-              <a:t>6/10/2020</a:t>
+              <a:t>6/11/2020</a:t>
             </a:fld>
             <a:endParaRPr lang="en-US"/>
           </a:p>
@@ -3062,7 +5648,7 @@
           <a:graphicData uri="http://schemas.openxmlformats.org/presentationml/2006/ole">
             <mc:AlternateContent xmlns:mc="http://schemas.openxmlformats.org/markup-compatibility/2006">
               <mc:Choice xmlns:v="urn:schemas-microsoft-com:vml" Requires="v">
-                <p:oleObj spid="_x0000_s4035" name="think-cell Slide" r:id="rId6" imgW="360" imgH="360" progId="">
+                <p:oleObj spid="_x0000_s4053" name="think-cell Slide" r:id="rId6" imgW="360" imgH="360" progId="">
                   <p:embed/>
                 </p:oleObj>
               </mc:Choice>
@@ -3905,7 +6491,7 @@
           <a:graphicData uri="http://schemas.openxmlformats.org/presentationml/2006/ole">
             <mc:AlternateContent xmlns:mc="http://schemas.openxmlformats.org/markup-compatibility/2006">
               <mc:Choice xmlns:v="urn:schemas-microsoft-com:vml" Requires="v">
-                <p:oleObj spid="_x0000_s5290" name="think-cell Slide" r:id="rId6" imgW="360" imgH="360" progId="">
+                <p:oleObj spid="_x0000_s5308" name="think-cell Slide" r:id="rId6" imgW="360" imgH="360" progId="">
                   <p:embed/>
                 </p:oleObj>
               </mc:Choice>
@@ -4330,7 +6916,7 @@
           <a:graphicData uri="http://schemas.openxmlformats.org/presentationml/2006/ole">
             <mc:AlternateContent xmlns:mc="http://schemas.openxmlformats.org/markup-compatibility/2006">
               <mc:Choice xmlns:v="urn:schemas-microsoft-com:vml" Requires="v">
-                <p:oleObj spid="_x0000_s6314" name="think-cell Slide" r:id="rId6" imgW="360" imgH="360" progId="">
+                <p:oleObj spid="_x0000_s6332" name="think-cell Slide" r:id="rId6" imgW="360" imgH="360" progId="">
                   <p:embed/>
                 </p:oleObj>
               </mc:Choice>
@@ -4864,7 +7450,7 @@
                 </a:solidFill>
               </a:rPr>
               <a:pPr defTabSz="609570"/>
-              <a:t>6/10/2020</a:t>
+              <a:t>6/11/2020</a:t>
             </a:fld>
             <a:endParaRPr lang="en-US" sz="2400" dirty="0">
               <a:solidFill>
@@ -5290,7 +7876,7 @@
             <a:fld id="{7C6C5538-3BC1-4274-BECE-326EC075782F}" type="datetime1">
               <a:rPr lang="en-US" smtClean="0"/>
               <a:pPr/>
-              <a:t>6/10/2020</a:t>
+              <a:t>6/11/2020</a:t>
             </a:fld>
             <a:endParaRPr lang="en-US" dirty="0"/>
           </a:p>
@@ -5570,7 +8156,7 @@
           <a:p>
             <a:fld id="{04BFB7E1-435A-4A9B-A3A6-797FA8A57F44}" type="datetimeFigureOut">
               <a:rPr lang="en-US" smtClean="0"/>
-              <a:t>6/10/2020</a:t>
+              <a:t>6/11/2020</a:t>
             </a:fld>
             <a:endParaRPr lang="en-US"/>
           </a:p>
@@ -5738,7 +8324,7 @@
           <a:p>
             <a:fld id="{04BFB7E1-435A-4A9B-A3A6-797FA8A57F44}" type="datetimeFigureOut">
               <a:rPr lang="en-US" smtClean="0"/>
-              <a:t>6/10/2020</a:t>
+              <a:t>6/11/2020</a:t>
             </a:fld>
             <a:endParaRPr lang="en-US"/>
           </a:p>
@@ -5841,7 +8427,7 @@
           <a:graphicData uri="http://schemas.openxmlformats.org/presentationml/2006/ole">
             <mc:AlternateContent xmlns:mc="http://schemas.openxmlformats.org/markup-compatibility/2006">
               <mc:Choice xmlns:v="urn:schemas-microsoft-com:vml" Requires="v">
-                <p:oleObj spid="_x0000_s1993" name="think-cell Slide" r:id="rId14" imgW="360" imgH="360" progId="">
+                <p:oleObj spid="_x0000_s2011" name="think-cell Slide" r:id="rId14" imgW="360" imgH="360" progId="">
                   <p:embed/>
                 </p:oleObj>
               </mc:Choice>
@@ -6602,7 +9188,7 @@
           <a:p>
             <a:fld id="{04BFB7E1-435A-4A9B-A3A6-797FA8A57F44}" type="datetimeFigureOut">
               <a:rPr lang="en-US" smtClean="0"/>
-              <a:t>6/10/2020</a:t>
+              <a:t>6/11/2020</a:t>
             </a:fld>
             <a:endParaRPr lang="en-US"/>
           </a:p>
@@ -35420,48 +38006,23 @@
           <a:lstStyle/>
           <a:p>
             <a:r>
-              <a:rPr lang="en-US">
+              <a:rPr lang="en-US" dirty="0">
                 <a:latin typeface="+mj-lt"/>
               </a:rPr>
-              <a:t>© 2018 Cognizant</a:t>
+              <a:t>© </a:t>
             </a:r>
-            <a:endParaRPr lang="en-US" dirty="0">
-              <a:latin typeface="+mj-lt"/>
-            </a:endParaRPr>
-          </a:p>
-        </p:txBody>
-      </p:sp>
-      <p:sp>
-        <p:nvSpPr>
-          <p:cNvPr id="5" name="Slide Number Placeholder 4">
-            <a:extLst>
-              <a:ext uri="{FF2B5EF4-FFF2-40B4-BE49-F238E27FC236}">
-                <a16:creationId xmlns:a16="http://schemas.microsoft.com/office/drawing/2014/main" id="{630D21C8-C794-4571-B05D-AE12FB9A749C}"/>
-              </a:ext>
-            </a:extLst>
-          </p:cNvPr>
-          <p:cNvSpPr>
-            <a:spLocks noGrp="1"/>
-          </p:cNvSpPr>
-          <p:nvPr>
-            <p:ph type="sldNum" sz="quarter" idx="12"/>
-          </p:nvPr>
-        </p:nvSpPr>
-        <p:spPr/>
-        <p:txBody>
-          <a:bodyPr/>
-          <a:lstStyle/>
-          <a:p>
-            <a:fld id="{2EFEF571-C9B4-4D92-A7F7-315B894862A8}" type="slidenum">
-              <a:rPr lang="en-US" smtClean="0">
+            <a:r>
+              <a:rPr lang="en-US" altLang="zh-CN" dirty="0">
                 <a:latin typeface="+mj-lt"/>
               </a:rPr>
-              <a:pPr/>
-              <a:t>9</a:t>
-            </a:fld>
-            <a:endParaRPr lang="en-US" dirty="0">
-              <a:latin typeface="+mj-lt"/>
-            </a:endParaRPr>
+              <a:t>2020</a:t>
+            </a:r>
+            <a:r>
+              <a:rPr lang="en-US" dirty="0">
+                <a:latin typeface="+mj-lt"/>
+              </a:rPr>
+              <a:t> Cognizant</a:t>
+            </a:r>
           </a:p>
         </p:txBody>
       </p:sp>
@@ -35656,7 +38217,7 @@
                 <a:ea typeface="Verdana" pitchFamily="34" charset="0"/>
                 <a:cs typeface="Verdana" pitchFamily="34" charset="0"/>
               </a:rPr>
-              <a:t>IM  Ticket Trend – Aug-Dec 2019</a:t>
+              <a:t>IM  Ticket Trend – Jan-May 2019</a:t>
             </a:r>
           </a:p>
         </p:txBody>
@@ -35768,7 +38329,7 @@
                 <a:ea typeface="Verdana" pitchFamily="34" charset="0"/>
                 <a:cs typeface="Verdana" pitchFamily="34" charset="0"/>
               </a:rPr>
-              <a:t>Aug-Dec 2019</a:t>
+              <a:t>Jan-May 2019</a:t>
             </a:r>
             <a:endParaRPr lang="en-US" sz="1067" b="1" kern="0" dirty="0">
               <a:solidFill>
@@ -35817,13 +38378,94 @@
               <a:defRPr/>
             </a:pPr>
             <a:r>
+              <a:rPr lang="en-US" altLang="zh-CN" sz="1067" dirty="0">
+                <a:solidFill>
+                  <a:schemeClr val="tx2"/>
+                </a:solidFill>
+                <a:latin typeface="Calibri" panose="020F0502020204030204" pitchFamily="34" charset="0"/>
+              </a:rPr>
+              <a:t>41</a:t>
+            </a:r>
+            <a:r>
               <a:rPr lang="en-US" sz="1067" dirty="0">
                 <a:solidFill>
                   <a:schemeClr val="tx2"/>
                 </a:solidFill>
                 <a:latin typeface="Calibri" panose="020F0502020204030204" pitchFamily="34" charset="0"/>
               </a:rPr>
-              <a:t>16% decrease in incident trend when compared from 2018(Average of 217) to current  2019(Average of 183)</a:t>
+              <a:t>% decrease in incident trend when compared from 20</a:t>
+            </a:r>
+            <a:r>
+              <a:rPr lang="en-US" altLang="zh-CN" sz="1067" dirty="0">
+                <a:solidFill>
+                  <a:schemeClr val="tx2"/>
+                </a:solidFill>
+                <a:latin typeface="Calibri" panose="020F0502020204030204" pitchFamily="34" charset="0"/>
+              </a:rPr>
+              <a:t>19</a:t>
+            </a:r>
+            <a:r>
+              <a:rPr lang="en-US" sz="1067" dirty="0">
+                <a:solidFill>
+                  <a:schemeClr val="tx2"/>
+                </a:solidFill>
+                <a:latin typeface="Calibri" panose="020F0502020204030204" pitchFamily="34" charset="0"/>
+              </a:rPr>
+              <a:t>(Average of </a:t>
+            </a:r>
+            <a:r>
+              <a:rPr lang="en-US" altLang="zh-CN" sz="1067" dirty="0">
+                <a:solidFill>
+                  <a:schemeClr val="tx2"/>
+                </a:solidFill>
+                <a:latin typeface="Calibri" panose="020F0502020204030204" pitchFamily="34" charset="0"/>
+              </a:rPr>
+              <a:t>189</a:t>
+            </a:r>
+            <a:r>
+              <a:rPr lang="en-US" sz="1067" dirty="0">
+                <a:solidFill>
+                  <a:schemeClr val="tx2"/>
+                </a:solidFill>
+                <a:latin typeface="Calibri" panose="020F0502020204030204" pitchFamily="34" charset="0"/>
+              </a:rPr>
+              <a:t>) to current  20</a:t>
+            </a:r>
+            <a:r>
+              <a:rPr lang="en-US" altLang="zh-CN" sz="1067" dirty="0">
+                <a:solidFill>
+                  <a:schemeClr val="tx2"/>
+                </a:solidFill>
+                <a:latin typeface="Calibri" panose="020F0502020204030204" pitchFamily="34" charset="0"/>
+              </a:rPr>
+              <a:t>20</a:t>
+            </a:r>
+            <a:r>
+              <a:rPr lang="en-US" sz="1067" dirty="0">
+                <a:solidFill>
+                  <a:schemeClr val="tx2"/>
+                </a:solidFill>
+                <a:latin typeface="Calibri" panose="020F0502020204030204" pitchFamily="34" charset="0"/>
+              </a:rPr>
+              <a:t>(Average of </a:t>
+            </a:r>
+            <a:r>
+              <a:rPr lang="en-US" altLang="zh-CN" sz="1067" dirty="0">
+                <a:solidFill>
+                  <a:schemeClr val="tx2"/>
+                </a:solidFill>
+                <a:latin typeface="Calibri" panose="020F0502020204030204" pitchFamily="34" charset="0"/>
+              </a:rPr>
+              <a:t>111</a:t>
+            </a:r>
+            <a:r>
+              <a:rPr lang="en-US" sz="1067" dirty="0">
+                <a:solidFill>
+                  <a:schemeClr val="tx2"/>
+                </a:solidFill>
+                <a:latin typeface="Calibri" panose="020F0502020204030204" pitchFamily="34" charset="0"/>
+              </a:rPr>
+              <a:t>)</a:t>
             </a:r>
             <a:endParaRPr lang="en-US" sz="1067" kern="0" dirty="0">
               <a:solidFill>
@@ -35917,7 +38559,61 @@
                 </a:solidFill>
                 <a:latin typeface="Calibri"/>
               </a:rPr>
-              <a:t>Problem tickets incoming rate has increased in 2019 compared to 2018.</a:t>
+              <a:t>Problem tickets incoming rate has </a:t>
+            </a:r>
+            <a:r>
+              <a:rPr lang="en-US" altLang="zh-CN" sz="1067" kern="0" dirty="0">
+                <a:solidFill>
+                  <a:schemeClr val="tx2"/>
+                </a:solidFill>
+                <a:latin typeface="Calibri"/>
+              </a:rPr>
+              <a:t>in</a:t>
+            </a:r>
+            <a:r>
+              <a:rPr lang="en-US" sz="1067" kern="0" dirty="0">
+                <a:solidFill>
+                  <a:schemeClr val="tx2"/>
+                </a:solidFill>
+                <a:latin typeface="Calibri"/>
+              </a:rPr>
+              <a:t>creased in 20</a:t>
+            </a:r>
+            <a:r>
+              <a:rPr lang="en-US" altLang="zh-CN" sz="1067" kern="0" dirty="0">
+                <a:solidFill>
+                  <a:schemeClr val="tx2"/>
+                </a:solidFill>
+                <a:latin typeface="Calibri"/>
+              </a:rPr>
+              <a:t>20</a:t>
+            </a:r>
+            <a:r>
+              <a:rPr lang="en-US" sz="1067" kern="0" dirty="0">
+                <a:solidFill>
+                  <a:schemeClr val="tx2"/>
+                </a:solidFill>
+                <a:latin typeface="Calibri"/>
+              </a:rPr>
+              <a:t> compared to 201</a:t>
+            </a:r>
+            <a:r>
+              <a:rPr lang="en-US" altLang="zh-CN" sz="1067" kern="0" dirty="0">
+                <a:solidFill>
+                  <a:schemeClr val="tx2"/>
+                </a:solidFill>
+                <a:latin typeface="Calibri"/>
+              </a:rPr>
+              <a:t>9</a:t>
+            </a:r>
+            <a:r>
+              <a:rPr lang="en-US" sz="1067" kern="0" dirty="0">
+                <a:solidFill>
+                  <a:schemeClr val="tx2"/>
+                </a:solidFill>
+                <a:latin typeface="Calibri"/>
+              </a:rPr>
+              <a:t>.</a:t>
             </a:r>
           </a:p>
         </p:txBody>
@@ -35979,7 +38675,7 @@
                 <a:ea typeface="Verdana" pitchFamily="34" charset="0"/>
                 <a:cs typeface="Verdana" pitchFamily="34" charset="0"/>
               </a:rPr>
-              <a:t>Aug-Dec 2019</a:t>
+              <a:t>Jan-May 2019</a:t>
             </a:r>
             <a:endParaRPr lang="en-US" sz="1067" b="1" kern="0" dirty="0">
               <a:solidFill>
@@ -36172,13 +38868,94 @@
               <a:defRPr/>
             </a:pPr>
             <a:r>
+              <a:rPr lang="en-US" altLang="zh-CN" sz="1067" dirty="0">
+                <a:solidFill>
+                  <a:schemeClr val="tx2"/>
+                </a:solidFill>
+                <a:latin typeface="Calibri" panose="020F0502020204030204" pitchFamily="34" charset="0"/>
+              </a:rPr>
+              <a:t>10</a:t>
+            </a:r>
+            <a:r>
               <a:rPr lang="en-US" sz="1067" dirty="0">
                 <a:solidFill>
                   <a:schemeClr val="tx2"/>
                 </a:solidFill>
                 <a:latin typeface="Calibri" panose="020F0502020204030204" pitchFamily="34" charset="0"/>
               </a:rPr>
-              <a:t>27% Increase in SR trend  when compared to  2018(Average of 161)  to current 2019(average of 205).</a:t>
+              <a:t>% Increase in SR trend  when compared to  20</a:t>
+            </a:r>
+            <a:r>
+              <a:rPr lang="en-US" altLang="zh-CN" sz="1067" dirty="0">
+                <a:solidFill>
+                  <a:schemeClr val="tx2"/>
+                </a:solidFill>
+                <a:latin typeface="Calibri" panose="020F0502020204030204" pitchFamily="34" charset="0"/>
+              </a:rPr>
+              <a:t>19</a:t>
+            </a:r>
+            <a:r>
+              <a:rPr lang="en-US" sz="1067" dirty="0">
+                <a:solidFill>
+                  <a:schemeClr val="tx2"/>
+                </a:solidFill>
+                <a:latin typeface="Calibri" panose="020F0502020204030204" pitchFamily="34" charset="0"/>
+              </a:rPr>
+              <a:t>(Average of </a:t>
+            </a:r>
+            <a:r>
+              <a:rPr lang="en-US" altLang="zh-CN" sz="1067" dirty="0">
+                <a:solidFill>
+                  <a:schemeClr val="tx2"/>
+                </a:solidFill>
+                <a:latin typeface="Calibri" panose="020F0502020204030204" pitchFamily="34" charset="0"/>
+              </a:rPr>
+              <a:t>225</a:t>
+            </a:r>
+            <a:r>
+              <a:rPr lang="en-US" sz="1067" dirty="0">
+                <a:solidFill>
+                  <a:schemeClr val="tx2"/>
+                </a:solidFill>
+                <a:latin typeface="Calibri" panose="020F0502020204030204" pitchFamily="34" charset="0"/>
+              </a:rPr>
+              <a:t>)  to current 20</a:t>
+            </a:r>
+            <a:r>
+              <a:rPr lang="en-US" altLang="zh-CN" sz="1067" dirty="0">
+                <a:solidFill>
+                  <a:schemeClr val="tx2"/>
+                </a:solidFill>
+                <a:latin typeface="Calibri" panose="020F0502020204030204" pitchFamily="34" charset="0"/>
+              </a:rPr>
+              <a:t>20</a:t>
+            </a:r>
+            <a:r>
+              <a:rPr lang="en-US" sz="1067" dirty="0">
+                <a:solidFill>
+                  <a:schemeClr val="tx2"/>
+                </a:solidFill>
+                <a:latin typeface="Calibri" panose="020F0502020204030204" pitchFamily="34" charset="0"/>
+              </a:rPr>
+              <a:t>(average of </a:t>
+            </a:r>
+            <a:r>
+              <a:rPr lang="en-US" altLang="zh-CN" sz="1067" dirty="0">
+                <a:solidFill>
+                  <a:schemeClr val="tx2"/>
+                </a:solidFill>
+                <a:latin typeface="Calibri" panose="020F0502020204030204" pitchFamily="34" charset="0"/>
+              </a:rPr>
+              <a:t>248</a:t>
+            </a:r>
+            <a:r>
+              <a:rPr lang="en-US" sz="1067" dirty="0">
+                <a:solidFill>
+                  <a:schemeClr val="tx2"/>
+                </a:solidFill>
+                <a:latin typeface="Calibri" panose="020F0502020204030204" pitchFamily="34" charset="0"/>
+              </a:rPr>
+              <a:t>).</a:t>
             </a:r>
           </a:p>
           <a:p>
@@ -36205,7 +38982,7 @@
         <p:spPr>
           <a:xfrm>
             <a:off x="6407762" y="5579427"/>
-            <a:ext cx="5202580" cy="584968"/>
+            <a:ext cx="5202580" cy="420756"/>
           </a:xfrm>
           <a:prstGeom prst="rect">
             <a:avLst/>
@@ -36236,7 +39013,7 @@
                 </a:solidFill>
                 <a:latin typeface="Calibri"/>
               </a:rPr>
-              <a:t>CR intake and closure trend slightly reduced as more focus on application stabilization improvements</a:t>
+              <a:t>CR has not in the scope in 2020.</a:t>
             </a:r>
           </a:p>
           <a:p>
@@ -36345,7 +39122,7 @@
                 <a:ea typeface="Verdana" pitchFamily="34" charset="0"/>
                 <a:cs typeface="Verdana" pitchFamily="34" charset="0"/>
               </a:rPr>
-              <a:t>Aug-Dec 2019</a:t>
+              <a:t>Jan-Oct 2019</a:t>
             </a:r>
             <a:endParaRPr lang="en-US" sz="1067" b="1" kern="0" dirty="0">
               <a:solidFill>
@@ -36432,57 +39209,75 @@
           </a:p>
         </p:txBody>
       </p:sp>
+      <p:graphicFrame>
+        <p:nvGraphicFramePr>
+          <p:cNvPr id="33" name="图表 32">
+            <a:extLst>
+              <a:ext uri="{FF2B5EF4-FFF2-40B4-BE49-F238E27FC236}">
+                <a16:creationId xmlns:a16="http://schemas.microsoft.com/office/drawing/2014/main" id="{B800DB46-22C7-49DA-8FA2-7656D5EFFFCB}"/>
+              </a:ext>
+            </a:extLst>
+          </p:cNvPr>
+          <p:cNvGraphicFramePr>
+            <a:graphicFrameLocks/>
+          </p:cNvGraphicFramePr>
+          <p:nvPr>
+            <p:extLst>
+              <p:ext uri="{D42A27DB-BD31-4B8C-83A1-F6EECF244321}">
+                <p14:modId xmlns:p14="http://schemas.microsoft.com/office/powerpoint/2010/main" val="3884468287"/>
+              </p:ext>
+            </p:extLst>
+          </p:nvPr>
+        </p:nvGraphicFramePr>
+        <p:xfrm>
+          <a:off x="556316" y="666517"/>
+          <a:ext cx="2717521" cy="2058476"/>
+        </p:xfrm>
+        <a:graphic>
+          <a:graphicData uri="http://schemas.openxmlformats.org/drawingml/2006/chart">
+            <c:chart xmlns:c="http://schemas.openxmlformats.org/drawingml/2006/chart" xmlns:r="http://schemas.openxmlformats.org/officeDocument/2006/relationships" r:id="rId3"/>
+          </a:graphicData>
+        </a:graphic>
+      </p:graphicFrame>
+      <p:graphicFrame>
+        <p:nvGraphicFramePr>
+          <p:cNvPr id="36" name="图表 35">
+            <a:extLst>
+              <a:ext uri="{FF2B5EF4-FFF2-40B4-BE49-F238E27FC236}">
+                <a16:creationId xmlns:a16="http://schemas.microsoft.com/office/drawing/2014/main" id="{7E26C504-146B-46AE-9156-D36E0144FB82}"/>
+              </a:ext>
+            </a:extLst>
+          </p:cNvPr>
+          <p:cNvGraphicFramePr>
+            <a:graphicFrameLocks/>
+          </p:cNvGraphicFramePr>
+          <p:nvPr>
+            <p:extLst>
+              <p:ext uri="{D42A27DB-BD31-4B8C-83A1-F6EECF244321}">
+                <p14:modId xmlns:p14="http://schemas.microsoft.com/office/powerpoint/2010/main" val="3338137626"/>
+              </p:ext>
+            </p:extLst>
+          </p:nvPr>
+        </p:nvGraphicFramePr>
+        <p:xfrm>
+          <a:off x="3346990" y="868640"/>
+          <a:ext cx="2778779" cy="1825661"/>
+        </p:xfrm>
+        <a:graphic>
+          <a:graphicData uri="http://schemas.openxmlformats.org/drawingml/2006/chart">
+            <c:chart xmlns:c="http://schemas.openxmlformats.org/drawingml/2006/chart" xmlns:r="http://schemas.openxmlformats.org/officeDocument/2006/relationships" r:id="rId4"/>
+          </a:graphicData>
+        </a:graphic>
+      </p:graphicFrame>
       <p:pic>
         <p:nvPicPr>
-          <p:cNvPr id="3" name="Picture 2"/>
-          <p:cNvPicPr>
-            <a:picLocks noChangeAspect="1"/>
-          </p:cNvPicPr>
-          <p:nvPr/>
-        </p:nvPicPr>
-        <p:blipFill>
-          <a:blip r:embed="rId3"/>
-          <a:stretch>
-            <a:fillRect/>
-          </a:stretch>
-        </p:blipFill>
-        <p:spPr>
-          <a:xfrm>
-            <a:off x="485026" y="964472"/>
-            <a:ext cx="2811988" cy="1734887"/>
-          </a:xfrm>
-          <a:prstGeom prst="rect">
-            <a:avLst/>
-          </a:prstGeom>
-        </p:spPr>
-      </p:pic>
-      <p:pic>
-        <p:nvPicPr>
-          <p:cNvPr id="6" name="Picture 5"/>
-          <p:cNvPicPr>
-            <a:picLocks noChangeAspect="1"/>
-          </p:cNvPicPr>
-          <p:nvPr/>
-        </p:nvPicPr>
-        <p:blipFill>
-          <a:blip r:embed="rId4"/>
-          <a:stretch>
-            <a:fillRect/>
-          </a:stretch>
-        </p:blipFill>
-        <p:spPr>
-          <a:xfrm>
-            <a:off x="3559779" y="932922"/>
-            <a:ext cx="2561636" cy="1718463"/>
-          </a:xfrm>
-          <a:prstGeom prst="rect">
-            <a:avLst/>
-          </a:prstGeom>
-        </p:spPr>
-      </p:pic>
-      <p:pic>
-        <p:nvPicPr>
-          <p:cNvPr id="9" name="Picture 8"/>
+          <p:cNvPr id="18" name="图片 17">
+            <a:extLst>
+              <a:ext uri="{FF2B5EF4-FFF2-40B4-BE49-F238E27FC236}">
+                <a16:creationId xmlns:a16="http://schemas.microsoft.com/office/drawing/2014/main" id="{4E91462E-DE0A-4104-977C-1BBE1ACCC9F2}"/>
+              </a:ext>
+            </a:extLst>
+          </p:cNvPr>
           <p:cNvPicPr>
             <a:picLocks noChangeAspect="1"/>
           </p:cNvPicPr>
@@ -36496,8 +39291,8 @@
         </p:blipFill>
         <p:spPr>
           <a:xfrm>
-            <a:off x="495771" y="3741497"/>
-            <a:ext cx="2866267" cy="1578649"/>
+            <a:off x="485026" y="3756526"/>
+            <a:ext cx="2788811" cy="1610078"/>
           </a:xfrm>
           <a:prstGeom prst="rect">
             <a:avLst/>
@@ -36506,7 +39301,13 @@
       </p:pic>
       <p:pic>
         <p:nvPicPr>
-          <p:cNvPr id="10" name="Picture 9"/>
+          <p:cNvPr id="20" name="图片 19">
+            <a:extLst>
+              <a:ext uri="{FF2B5EF4-FFF2-40B4-BE49-F238E27FC236}">
+                <a16:creationId xmlns:a16="http://schemas.microsoft.com/office/drawing/2014/main" id="{E769C987-1ACA-4D24-8807-35B43DAB563D}"/>
+              </a:ext>
+            </a:extLst>
+          </p:cNvPr>
           <p:cNvPicPr>
             <a:picLocks noChangeAspect="1"/>
           </p:cNvPicPr>
@@ -36520,8 +39321,8 @@
         </p:blipFill>
         <p:spPr>
           <a:xfrm>
-            <a:off x="3574153" y="3741497"/>
-            <a:ext cx="2535207" cy="1578649"/>
+            <a:off x="3574152" y="3756526"/>
+            <a:ext cx="2547264" cy="1610078"/>
           </a:xfrm>
           <a:prstGeom prst="rect">
             <a:avLst/>
@@ -36530,7 +39331,13 @@
       </p:pic>
       <p:pic>
         <p:nvPicPr>
-          <p:cNvPr id="17" name="Picture 16"/>
+          <p:cNvPr id="40" name="图片 39">
+            <a:extLst>
+              <a:ext uri="{FF2B5EF4-FFF2-40B4-BE49-F238E27FC236}">
+                <a16:creationId xmlns:a16="http://schemas.microsoft.com/office/drawing/2014/main" id="{8308B3CD-56B0-45FD-AF48-8C7B6A3898EB}"/>
+              </a:ext>
+            </a:extLst>
+          </p:cNvPr>
           <p:cNvPicPr>
             <a:picLocks noChangeAspect="1"/>
           </p:cNvPicPr>
@@ -36544,8 +39351,8 @@
         </p:blipFill>
         <p:spPr>
           <a:xfrm>
-            <a:off x="6397183" y="929891"/>
-            <a:ext cx="2511952" cy="1708324"/>
+            <a:off x="6396140" y="981726"/>
+            <a:ext cx="2432414" cy="1629542"/>
           </a:xfrm>
           <a:prstGeom prst="rect">
             <a:avLst/>
@@ -36554,7 +39361,13 @@
       </p:pic>
       <p:pic>
         <p:nvPicPr>
-          <p:cNvPr id="19" name="Picture 18"/>
+          <p:cNvPr id="41" name="图片 40">
+            <a:extLst>
+              <a:ext uri="{FF2B5EF4-FFF2-40B4-BE49-F238E27FC236}">
+                <a16:creationId xmlns:a16="http://schemas.microsoft.com/office/drawing/2014/main" id="{6855953B-5FD5-4F72-9AA4-33801884277E}"/>
+              </a:ext>
+            </a:extLst>
+          </p:cNvPr>
           <p:cNvPicPr>
             <a:picLocks noChangeAspect="1"/>
           </p:cNvPicPr>
@@ -36568,8 +39381,8 @@
         </p:blipFill>
         <p:spPr>
           <a:xfrm>
-            <a:off x="9098836" y="916219"/>
-            <a:ext cx="2540272" cy="1731096"/>
+            <a:off x="9074304" y="946857"/>
+            <a:ext cx="2515638" cy="1664411"/>
           </a:xfrm>
           <a:prstGeom prst="rect">
             <a:avLst/>
@@ -36578,7 +39391,13 @@
       </p:pic>
       <p:pic>
         <p:nvPicPr>
-          <p:cNvPr id="21" name="Picture 20"/>
+          <p:cNvPr id="42" name="图片 41">
+            <a:extLst>
+              <a:ext uri="{FF2B5EF4-FFF2-40B4-BE49-F238E27FC236}">
+                <a16:creationId xmlns:a16="http://schemas.microsoft.com/office/drawing/2014/main" id="{473CD6C7-B8DD-47E5-BC15-188808E1FFBD}"/>
+              </a:ext>
+            </a:extLst>
+          </p:cNvPr>
           <p:cNvPicPr>
             <a:picLocks noChangeAspect="1"/>
           </p:cNvPicPr>
@@ -36592,8 +39411,8 @@
         </p:blipFill>
         <p:spPr>
           <a:xfrm>
-            <a:off x="6357313" y="3818624"/>
-            <a:ext cx="2551823" cy="1741237"/>
+            <a:off x="9048774" y="3715748"/>
+            <a:ext cx="2561569" cy="1691633"/>
           </a:xfrm>
           <a:prstGeom prst="rect">
             <a:avLst/>
@@ -36602,7 +39421,13 @@
       </p:pic>
       <p:pic>
         <p:nvPicPr>
-          <p:cNvPr id="22" name="Picture 21"/>
+          <p:cNvPr id="46" name="图片 45">
+            <a:extLst>
+              <a:ext uri="{FF2B5EF4-FFF2-40B4-BE49-F238E27FC236}">
+                <a16:creationId xmlns:a16="http://schemas.microsoft.com/office/drawing/2014/main" id="{C247C36F-4FD6-46CF-B05E-03DB057C4D2D}"/>
+              </a:ext>
+            </a:extLst>
+          </p:cNvPr>
           <p:cNvPicPr>
             <a:picLocks noChangeAspect="1"/>
           </p:cNvPicPr>
@@ -36616,70 +39441,14 @@
         </p:blipFill>
         <p:spPr>
           <a:xfrm>
-            <a:off x="9169461" y="3820900"/>
-            <a:ext cx="2451415" cy="1736689"/>
+            <a:off x="6428622" y="3786773"/>
+            <a:ext cx="2480513" cy="1620608"/>
           </a:xfrm>
           <a:prstGeom prst="rect">
             <a:avLst/>
           </a:prstGeom>
         </p:spPr>
       </p:pic>
-      <p:sp>
-        <p:nvSpPr>
-          <p:cNvPr id="30" name="Oval 29"/>
-          <p:cNvSpPr/>
-          <p:nvPr/>
-        </p:nvSpPr>
-        <p:spPr bwMode="gray">
-          <a:xfrm>
-            <a:off x="7037944" y="-864748"/>
-            <a:ext cx="3331028" cy="1293223"/>
-          </a:xfrm>
-          <a:prstGeom prst="ellipse">
-            <a:avLst/>
-          </a:prstGeom>
-          <a:solidFill>
-            <a:srgbClr val="00CC00"/>
-          </a:solidFill>
-          <a:ln w="19050">
-            <a:noFill/>
-            <a:miter lim="800000"/>
-          </a:ln>
-        </p:spPr>
-        <p:style>
-          <a:lnRef idx="2">
-            <a:schemeClr val="accent1">
-              <a:shade val="50000"/>
-            </a:schemeClr>
-          </a:lnRef>
-          <a:fillRef idx="1">
-            <a:schemeClr val="accent1"/>
-          </a:fillRef>
-          <a:effectRef idx="0">
-            <a:schemeClr val="accent1"/>
-          </a:effectRef>
-          <a:fontRef idx="minor">
-            <a:schemeClr val="lt1"/>
-          </a:fontRef>
-        </p:style>
-        <p:txBody>
-          <a:bodyPr rot="0" spcFirstLastPara="0" vertOverflow="overflow" horzOverflow="overflow" vert="horz" wrap="square" lIns="91440" tIns="45720" rIns="91440" bIns="45720" numCol="1" spcCol="0" rtlCol="0" fromWordArt="0" anchor="ctr" anchorCtr="0" forceAA="0" compatLnSpc="1">
-            <a:prstTxWarp prst="textNoShape">
-              <a:avLst/>
-            </a:prstTxWarp>
-            <a:noAutofit/>
-          </a:bodyPr>
-          <a:lstStyle/>
-          <a:p>
-            <a:pPr algn="ctr">
-              <a:lnSpc>
-                <a:spcPct val="90000"/>
-              </a:lnSpc>
-            </a:pPr>
-            <a:endParaRPr lang="en-US" sz="1600" dirty="0"/>
-          </a:p>
-        </p:txBody>
-      </p:sp>
     </p:spTree>
     <p:extLst>
       <p:ext uri="{BB962C8B-B14F-4D97-AF65-F5344CB8AC3E}">
